--- a/secure-coding/slides/delivery/05__Java-Security.pptx
+++ b/secure-coding/slides/delivery/05__Java-Security.pptx
@@ -5,70 +5,70 @@
     <p:sldMasterId id="2147483651" r:id="rId1"/>
   </p:sldMasterIdLst>
   <p:notesMasterIdLst>
-    <p:notesMasterId r:id="rId2"/>
+    <p:notesMasterId r:id="rId60"/>
   </p:notesMasterIdLst>
   <p:handoutMasterIdLst>
-    <p:handoutMasterId r:id="rId3"/>
+    <p:handoutMasterId r:id="rId61"/>
   </p:handoutMasterIdLst>
   <p:sldIdLst>
-    <p:sldId id="256" r:id="rId9"/>
-    <p:sldId id="257" r:id="rId10"/>
-    <p:sldId id="258" r:id="rId11"/>
-    <p:sldId id="259" r:id="rId12"/>
-    <p:sldId id="260" r:id="rId13"/>
-    <p:sldId id="261" r:id="rId14"/>
-    <p:sldId id="262" r:id="rId15"/>
-    <p:sldId id="263" r:id="rId16"/>
-    <p:sldId id="264" r:id="rId17"/>
-    <p:sldId id="265" r:id="rId18"/>
-    <p:sldId id="266" r:id="rId19"/>
-    <p:sldId id="267" r:id="rId20"/>
-    <p:sldId id="268" r:id="rId21"/>
-    <p:sldId id="269" r:id="rId22"/>
-    <p:sldId id="270" r:id="rId23"/>
-    <p:sldId id="271" r:id="rId24"/>
-    <p:sldId id="272" r:id="rId25"/>
-    <p:sldId id="273" r:id="rId26"/>
-    <p:sldId id="274" r:id="rId27"/>
-    <p:sldId id="275" r:id="rId28"/>
-    <p:sldId id="276" r:id="rId29"/>
-    <p:sldId id="277" r:id="rId30"/>
-    <p:sldId id="278" r:id="rId31"/>
-    <p:sldId id="279" r:id="rId32"/>
-    <p:sldId id="280" r:id="rId33"/>
-    <p:sldId id="281" r:id="rId34"/>
-    <p:sldId id="282" r:id="rId35"/>
-    <p:sldId id="283" r:id="rId36"/>
-    <p:sldId id="284" r:id="rId37"/>
-    <p:sldId id="285" r:id="rId38"/>
-    <p:sldId id="286" r:id="rId39"/>
-    <p:sldId id="287" r:id="rId40"/>
-    <p:sldId id="288" r:id="rId41"/>
-    <p:sldId id="289" r:id="rId42"/>
-    <p:sldId id="290" r:id="rId43"/>
-    <p:sldId id="291" r:id="rId44"/>
-    <p:sldId id="292" r:id="rId45"/>
-    <p:sldId id="293" r:id="rId46"/>
-    <p:sldId id="294" r:id="rId47"/>
-    <p:sldId id="295" r:id="rId48"/>
-    <p:sldId id="296" r:id="rId49"/>
-    <p:sldId id="297" r:id="rId50"/>
-    <p:sldId id="298" r:id="rId51"/>
-    <p:sldId id="299" r:id="rId52"/>
-    <p:sldId id="300" r:id="rId53"/>
-    <p:sldId id="301" r:id="rId54"/>
-    <p:sldId id="302" r:id="rId55"/>
-    <p:sldId id="303" r:id="rId56"/>
-    <p:sldId id="304" r:id="rId57"/>
-    <p:sldId id="305" r:id="rId58"/>
-    <p:sldId id="306" r:id="rId59"/>
-    <p:sldId id="307" r:id="rId60"/>
-    <p:sldId id="308" r:id="rId61"/>
-    <p:sldId id="309" r:id="rId62"/>
-    <p:sldId id="310" r:id="rId63"/>
-    <p:sldId id="311" r:id="rId64"/>
-    <p:sldId id="312" r:id="rId65"/>
-    <p:sldId id="313" r:id="rId66"/>
+    <p:sldId id="256" r:id="rId2"/>
+    <p:sldId id="257" r:id="rId3"/>
+    <p:sldId id="258" r:id="rId4"/>
+    <p:sldId id="259" r:id="rId5"/>
+    <p:sldId id="260" r:id="rId6"/>
+    <p:sldId id="261" r:id="rId7"/>
+    <p:sldId id="262" r:id="rId8"/>
+    <p:sldId id="263" r:id="rId9"/>
+    <p:sldId id="264" r:id="rId10"/>
+    <p:sldId id="265" r:id="rId11"/>
+    <p:sldId id="266" r:id="rId12"/>
+    <p:sldId id="267" r:id="rId13"/>
+    <p:sldId id="268" r:id="rId14"/>
+    <p:sldId id="269" r:id="rId15"/>
+    <p:sldId id="270" r:id="rId16"/>
+    <p:sldId id="271" r:id="rId17"/>
+    <p:sldId id="272" r:id="rId18"/>
+    <p:sldId id="273" r:id="rId19"/>
+    <p:sldId id="274" r:id="rId20"/>
+    <p:sldId id="275" r:id="rId21"/>
+    <p:sldId id="276" r:id="rId22"/>
+    <p:sldId id="277" r:id="rId23"/>
+    <p:sldId id="278" r:id="rId24"/>
+    <p:sldId id="279" r:id="rId25"/>
+    <p:sldId id="280" r:id="rId26"/>
+    <p:sldId id="281" r:id="rId27"/>
+    <p:sldId id="282" r:id="rId28"/>
+    <p:sldId id="283" r:id="rId29"/>
+    <p:sldId id="284" r:id="rId30"/>
+    <p:sldId id="285" r:id="rId31"/>
+    <p:sldId id="286" r:id="rId32"/>
+    <p:sldId id="287" r:id="rId33"/>
+    <p:sldId id="288" r:id="rId34"/>
+    <p:sldId id="289" r:id="rId35"/>
+    <p:sldId id="290" r:id="rId36"/>
+    <p:sldId id="291" r:id="rId37"/>
+    <p:sldId id="292" r:id="rId38"/>
+    <p:sldId id="293" r:id="rId39"/>
+    <p:sldId id="294" r:id="rId40"/>
+    <p:sldId id="295" r:id="rId41"/>
+    <p:sldId id="296" r:id="rId42"/>
+    <p:sldId id="297" r:id="rId43"/>
+    <p:sldId id="298" r:id="rId44"/>
+    <p:sldId id="299" r:id="rId45"/>
+    <p:sldId id="300" r:id="rId46"/>
+    <p:sldId id="301" r:id="rId47"/>
+    <p:sldId id="302" r:id="rId48"/>
+    <p:sldId id="303" r:id="rId49"/>
+    <p:sldId id="304" r:id="rId50"/>
+    <p:sldId id="305" r:id="rId51"/>
+    <p:sldId id="306" r:id="rId52"/>
+    <p:sldId id="307" r:id="rId53"/>
+    <p:sldId id="308" r:id="rId54"/>
+    <p:sldId id="309" r:id="rId55"/>
+    <p:sldId id="310" r:id="rId56"/>
+    <p:sldId id="311" r:id="rId57"/>
+    <p:sldId id="312" r:id="rId58"/>
+    <p:sldId id="313" r:id="rId59"/>
   </p:sldIdLst>
   <p:sldSz cx="9372600" cy="8297863"/>
   <p:notesSz cx="7315200" cy="9601200"/>
@@ -236,9 +236,7 @@
   <p:cmAuthor id="2" name="Mark Kerzner" initials="MK" lastIdx="6" clrIdx="1"/>
   <p:cmAuthor id="3" name="Mary Beth Conlee" initials="MBC" lastIdx="7" clrIdx="2"/>
   <p:cmAuthor id="4" name="Michelle" initials="M" lastIdx="5" clrIdx="3"/>
-  <p:cmAuthor id="5" name="Tricia Murphy" initials="TM" lastIdx="4" clrIdx="4">
-    <p:extLst/>
-  </p:cmAuthor>
+  <p:cmAuthor id="5" name="Tricia Murphy" initials="TM" lastIdx="4" clrIdx="4"/>
 </p:cmAuthorLst>
 </file>
 
@@ -805,6 +803,122 @@
     </a:lvl9pPr>
   </p:notesStyle>
 </p:notesMaster>
+</file>
+
+<file path=ppt/notesSlides/notesSlide1.xml><?xml version="1.0" encoding="utf-8"?>
+<p:notes xmlns:a="http://schemas.openxmlformats.org/drawingml/2006/main" xmlns:r="http://schemas.openxmlformats.org/officeDocument/2006/relationships" xmlns:p="http://schemas.openxmlformats.org/presentationml/2006/main">
+  <p:cSld>
+    <p:spTree>
+      <p:nvGrpSpPr>
+        <p:cNvPr id="1" name=""/>
+        <p:cNvGrpSpPr/>
+        <p:nvPr/>
+      </p:nvGrpSpPr>
+      <p:grpSpPr>
+        <a:xfrm>
+          <a:off x="0" y="0"/>
+          <a:ext cx="0" cy="0"/>
+          <a:chOff x="0" y="0"/>
+          <a:chExt cx="0" cy="0"/>
+        </a:xfrm>
+      </p:grpSpPr>
+      <p:sp>
+        <p:nvSpPr>
+          <p:cNvPr id="2" name="Slide Image Placeholder 1"/>
+          <p:cNvSpPr>
+            <a:spLocks noGrp="1" noRot="1" noChangeAspect="1"/>
+          </p:cNvSpPr>
+          <p:nvPr>
+            <p:ph type="sldImg"/>
+          </p:nvPr>
+        </p:nvSpPr>
+        <p:spPr/>
+      </p:sp>
+      <p:sp>
+        <p:nvSpPr>
+          <p:cNvPr id="3" name="Notes Placeholder 2"/>
+          <p:cNvSpPr>
+            <a:spLocks noGrp="1"/>
+          </p:cNvSpPr>
+          <p:nvPr>
+            <p:ph type="body" idx="1"/>
+          </p:nvPr>
+        </p:nvSpPr>
+        <p:spPr/>
+        <p:txBody>
+          <a:bodyPr/>
+          <a:lstStyle/>
+          <a:p>
+            <a:endParaRPr lang="en-US" dirty="0"/>
+          </a:p>
+        </p:txBody>
+      </p:sp>
+      <p:sp>
+        <p:nvSpPr>
+          <p:cNvPr id="4" name="Footer Placeholder 3"/>
+          <p:cNvSpPr>
+            <a:spLocks noGrp="1"/>
+          </p:cNvSpPr>
+          <p:nvPr>
+            <p:ph type="ftr" sz="quarter" idx="4"/>
+          </p:nvPr>
+        </p:nvSpPr>
+        <p:spPr/>
+        <p:txBody>
+          <a:bodyPr/>
+          <a:lstStyle/>
+          <a:p>
+            <a:pPr>
+              <a:defRPr/>
+            </a:pPr>
+            <a:r>
+              <a:rPr lang="en-US"/>
+              <a:t>Copyright © 2017 Elephant Scale. All rights reserved.</a:t>
+            </a:r>
+            <a:endParaRPr lang="en-US" dirty="0"/>
+          </a:p>
+        </p:txBody>
+      </p:sp>
+      <p:sp>
+        <p:nvSpPr>
+          <p:cNvPr id="5" name="Slide Number Placeholder 4"/>
+          <p:cNvSpPr>
+            <a:spLocks noGrp="1"/>
+          </p:cNvSpPr>
+          <p:nvPr>
+            <p:ph type="sldNum" sz="quarter" idx="5"/>
+          </p:nvPr>
+        </p:nvSpPr>
+        <p:spPr/>
+        <p:txBody>
+          <a:bodyPr/>
+          <a:lstStyle/>
+          <a:p>
+            <a:pPr>
+              <a:defRPr/>
+            </a:pPr>
+            <a:fld id="{EFAADD5D-AF76-45EE-AA5F-6DAC73BF167A}" type="slidenum">
+              <a:rPr lang="en-US" smtClean="0"/>
+              <a:pPr>
+                <a:defRPr/>
+              </a:pPr>
+              <a:t>47</a:t>
+            </a:fld>
+            <a:endParaRPr lang="en-US" dirty="0"/>
+          </a:p>
+        </p:txBody>
+      </p:sp>
+    </p:spTree>
+    <p:extLst>
+      <p:ext uri="{BB962C8B-B14F-4D97-AF65-F5344CB8AC3E}">
+        <p14:creationId xmlns:p14="http://schemas.microsoft.com/office/powerpoint/2010/main" val="339719168"/>
+      </p:ext>
+    </p:extLst>
+  </p:cSld>
+  <p:clrMapOvr>
+    <a:masterClrMapping/>
+  </p:clrMapOvr>
+</p:notes>
 </file>
 
 <file path=ppt/slideLayouts/slideLayout1.xml><?xml version="1.0" encoding="utf-8"?>
@@ -2321,7 +2435,7 @@
 </file>
 
 <file path=ppt/slides/slide1.xml><?xml version="1.0" encoding="utf-8"?>
-<p:sld xmlns:a="http://schemas.openxmlformats.org/drawingml/2006/main" xmlns:p="http://schemas.openxmlformats.org/presentationml/2006/main" xmlns:r="http://schemas.openxmlformats.org/officeDocument/2006/relationships">
+<p:sld xmlns:a="http://schemas.openxmlformats.org/drawingml/2006/main" xmlns:r="http://schemas.openxmlformats.org/officeDocument/2006/relationships" xmlns:p="http://schemas.openxmlformats.org/presentationml/2006/main">
   <p:cSld>
     <p:spTree>
       <p:nvGrpSpPr>
@@ -2329,7 +2443,14 @@
         <p:cNvGrpSpPr/>
         <p:nvPr/>
       </p:nvGrpSpPr>
-      <p:grpSpPr/>
+      <p:grpSpPr>
+        <a:xfrm>
+          <a:off x="0" y="0"/>
+          <a:ext cx="0" cy="0"/>
+          <a:chOff x="0" y="0"/>
+          <a:chExt cx="0" cy="0"/>
+        </a:xfrm>
+      </p:grpSpPr>
       <p:sp>
         <p:nvSpPr>
           <p:cNvPr id="2" name="Subtitle 1"/>
@@ -2337,7 +2458,7 @@
             <a:spLocks noGrp="1"/>
           </p:cNvSpPr>
           <p:nvPr>
-            <p:ph type="subTitle" idx="1" sz="quarter"/>
+            <p:ph type="subTitle" sz="quarter" idx="1"/>
           </p:nvPr>
         </p:nvSpPr>
         <p:spPr/>
@@ -2396,13 +2517,15 @@
         </p:nvSpPr>
         <p:spPr/>
         <p:txBody>
-          <a:bodyPr/>
-          <a:lstStyle/>
-          <a:p>
-            <a:pPr>
-              <a:defRPr sz="4200"/>
-            </a:pPr>
-            <a:r>
+          <a:bodyPr wrap="square">
+            <a:noAutofit/>
+          </a:bodyPr>
+          <a:lstStyle/>
+          <a:p>
+            <a:r>
+              <a:rPr sz="4200" b="1" i="0">
+                <a:latin typeface="Times New Roman"/>
+              </a:rPr>
               <a:t>Java Secure Coding</a:t>
             </a:r>
           </a:p>
@@ -2450,7 +2573,7 @@
 </file>
 
 <file path=ppt/slides/slide10.xml><?xml version="1.0" encoding="utf-8"?>
-<p:sld xmlns:a="http://schemas.openxmlformats.org/drawingml/2006/main" xmlns:p="http://schemas.openxmlformats.org/presentationml/2006/main" xmlns:r="http://schemas.openxmlformats.org/officeDocument/2006/relationships">
+<p:sld xmlns:a="http://schemas.openxmlformats.org/drawingml/2006/main" xmlns:r="http://schemas.openxmlformats.org/officeDocument/2006/relationships" xmlns:p="http://schemas.openxmlformats.org/presentationml/2006/main">
   <p:cSld>
     <p:spTree>
       <p:nvGrpSpPr>
@@ -2458,7 +2581,14 @@
         <p:cNvGrpSpPr/>
         <p:nvPr/>
       </p:nvGrpSpPr>
-      <p:grpSpPr/>
+      <p:grpSpPr>
+        <a:xfrm>
+          <a:off x="0" y="0"/>
+          <a:ext cx="0" cy="0"/>
+          <a:chOff x="0" y="0"/>
+          <a:chExt cx="0" cy="0"/>
+        </a:xfrm>
+      </p:grpSpPr>
       <p:sp>
         <p:nvSpPr>
           <p:cNvPr id="2" name="Title 1"/>
@@ -2560,7 +2690,7 @@
 </file>
 
 <file path=ppt/slides/slide11.xml><?xml version="1.0" encoding="utf-8"?>
-<p:sld xmlns:a="http://schemas.openxmlformats.org/drawingml/2006/main" xmlns:p="http://schemas.openxmlformats.org/presentationml/2006/main" xmlns:r="http://schemas.openxmlformats.org/officeDocument/2006/relationships">
+<p:sld xmlns:a="http://schemas.openxmlformats.org/drawingml/2006/main" xmlns:r="http://schemas.openxmlformats.org/officeDocument/2006/relationships" xmlns:p="http://schemas.openxmlformats.org/presentationml/2006/main">
   <p:cSld>
     <p:spTree>
       <p:nvGrpSpPr>
@@ -2568,7 +2698,14 @@
         <p:cNvGrpSpPr/>
         <p:nvPr/>
       </p:nvGrpSpPr>
-      <p:grpSpPr/>
+      <p:grpSpPr>
+        <a:xfrm>
+          <a:off x="0" y="0"/>
+          <a:ext cx="0" cy="0"/>
+          <a:chOff x="0" y="0"/>
+          <a:chExt cx="0" cy="0"/>
+        </a:xfrm>
+      </p:grpSpPr>
       <p:sp>
         <p:nvSpPr>
           <p:cNvPr id="2" name="Title 1"/>
@@ -2699,7 +2836,7 @@
 </file>
 
 <file path=ppt/slides/slide12.xml><?xml version="1.0" encoding="utf-8"?>
-<p:sld xmlns:a="http://schemas.openxmlformats.org/drawingml/2006/main" xmlns:p="http://schemas.openxmlformats.org/presentationml/2006/main" xmlns:r="http://schemas.openxmlformats.org/officeDocument/2006/relationships">
+<p:sld xmlns:a="http://schemas.openxmlformats.org/drawingml/2006/main" xmlns:r="http://schemas.openxmlformats.org/officeDocument/2006/relationships" xmlns:p="http://schemas.openxmlformats.org/presentationml/2006/main">
   <p:cSld>
     <p:spTree>
       <p:nvGrpSpPr>
@@ -2707,7 +2844,14 @@
         <p:cNvGrpSpPr/>
         <p:nvPr/>
       </p:nvGrpSpPr>
-      <p:grpSpPr/>
+      <p:grpSpPr>
+        <a:xfrm>
+          <a:off x="0" y="0"/>
+          <a:ext cx="0" cy="0"/>
+          <a:chOff x="0" y="0"/>
+          <a:chExt cx="0" cy="0"/>
+        </a:xfrm>
+      </p:grpSpPr>
       <p:sp>
         <p:nvSpPr>
           <p:cNvPr id="2" name="Title 1"/>
@@ -2810,7 +2954,7 @@
 </file>
 
 <file path=ppt/slides/slide13.xml><?xml version="1.0" encoding="utf-8"?>
-<p:sld xmlns:a="http://schemas.openxmlformats.org/drawingml/2006/main" xmlns:p="http://schemas.openxmlformats.org/presentationml/2006/main" xmlns:r="http://schemas.openxmlformats.org/officeDocument/2006/relationships">
+<p:sld xmlns:a="http://schemas.openxmlformats.org/drawingml/2006/main" xmlns:r="http://schemas.openxmlformats.org/officeDocument/2006/relationships" xmlns:p="http://schemas.openxmlformats.org/presentationml/2006/main">
   <p:cSld>
     <p:spTree>
       <p:nvGrpSpPr>
@@ -2818,7 +2962,14 @@
         <p:cNvGrpSpPr/>
         <p:nvPr/>
       </p:nvGrpSpPr>
-      <p:grpSpPr/>
+      <p:grpSpPr>
+        <a:xfrm>
+          <a:off x="0" y="0"/>
+          <a:ext cx="0" cy="0"/>
+          <a:chOff x="0" y="0"/>
+          <a:chExt cx="0" cy="0"/>
+        </a:xfrm>
+      </p:grpSpPr>
       <p:sp>
         <p:nvSpPr>
           <p:cNvPr id="2" name="Title 1"/>
@@ -2854,16 +3005,36 @@
         <p:txBody>
           <a:bodyPr/>
           <a:lstStyle/>
-          <a:p/>
-          <a:p/>
-          <a:p/>
-          <a:p/>
-          <a:p/>
-          <a:p/>
-          <a:p/>
-          <a:p/>
-          <a:p/>
-          <a:p/>
+          <a:p>
+            <a:endParaRPr/>
+          </a:p>
+          <a:p>
+            <a:endParaRPr/>
+          </a:p>
+          <a:p>
+            <a:endParaRPr/>
+          </a:p>
+          <a:p>
+            <a:endParaRPr/>
+          </a:p>
+          <a:p>
+            <a:endParaRPr/>
+          </a:p>
+          <a:p>
+            <a:endParaRPr/>
+          </a:p>
+          <a:p>
+            <a:endParaRPr/>
+          </a:p>
+          <a:p>
+            <a:endParaRPr/>
+          </a:p>
+          <a:p>
+            <a:endParaRPr/>
+          </a:p>
+          <a:p>
+            <a:endParaRPr/>
+          </a:p>
         </p:txBody>
       </p:sp>
       <p:sp>
@@ -2932,7 +3103,7 @@
 </file>
 
 <file path=ppt/slides/slide14.xml><?xml version="1.0" encoding="utf-8"?>
-<p:sld xmlns:a="http://schemas.openxmlformats.org/drawingml/2006/main" xmlns:p="http://schemas.openxmlformats.org/presentationml/2006/main" xmlns:r="http://schemas.openxmlformats.org/officeDocument/2006/relationships">
+<p:sld xmlns:a="http://schemas.openxmlformats.org/drawingml/2006/main" xmlns:r="http://schemas.openxmlformats.org/officeDocument/2006/relationships" xmlns:p="http://schemas.openxmlformats.org/presentationml/2006/main">
   <p:cSld>
     <p:spTree>
       <p:nvGrpSpPr>
@@ -2940,7 +3111,14 @@
         <p:cNvGrpSpPr/>
         <p:nvPr/>
       </p:nvGrpSpPr>
-      <p:grpSpPr/>
+      <p:grpSpPr>
+        <a:xfrm>
+          <a:off x="0" y="0"/>
+          <a:ext cx="0" cy="0"/>
+          <a:chOff x="0" y="0"/>
+          <a:chExt cx="0" cy="0"/>
+        </a:xfrm>
+      </p:grpSpPr>
       <p:sp>
         <p:nvSpPr>
           <p:cNvPr id="2" name="Title 1"/>
@@ -3041,7 +3219,7 @@
 </file>
 
 <file path=ppt/slides/slide15.xml><?xml version="1.0" encoding="utf-8"?>
-<p:sld xmlns:a="http://schemas.openxmlformats.org/drawingml/2006/main" xmlns:p="http://schemas.openxmlformats.org/presentationml/2006/main" xmlns:r="http://schemas.openxmlformats.org/officeDocument/2006/relationships">
+<p:sld xmlns:a="http://schemas.openxmlformats.org/drawingml/2006/main" xmlns:r="http://schemas.openxmlformats.org/officeDocument/2006/relationships" xmlns:p="http://schemas.openxmlformats.org/presentationml/2006/main">
   <p:cSld>
     <p:spTree>
       <p:nvGrpSpPr>
@@ -3049,7 +3227,14 @@
         <p:cNvGrpSpPr/>
         <p:nvPr/>
       </p:nvGrpSpPr>
-      <p:grpSpPr/>
+      <p:grpSpPr>
+        <a:xfrm>
+          <a:off x="0" y="0"/>
+          <a:ext cx="0" cy="0"/>
+          <a:chOff x="0" y="0"/>
+          <a:chExt cx="0" cy="0"/>
+        </a:xfrm>
+      </p:grpSpPr>
       <p:sp>
         <p:nvSpPr>
           <p:cNvPr id="2" name="Title 1"/>
@@ -3112,6 +3297,12 @@
             <a:pPr lvl="1"/>
             <a:r>
               <a:t> Instructions: labs/java-security-validation/labs/input_validation.md</a:t>
+            </a:r>
+          </a:p>
+          <a:p>
+            <a:pPr lvl="1"/>
+            <a:r>
+              <a:t> https://github.com/elephantscale/secure-coding-labs/blob/main/java_security_validation/labs/input_validation.md</a:t>
             </a:r>
           </a:p>
         </p:txBody>
@@ -3158,7 +3349,7 @@
 </file>
 
 <file path=ppt/slides/slide16.xml><?xml version="1.0" encoding="utf-8"?>
-<p:sld xmlns:a="http://schemas.openxmlformats.org/drawingml/2006/main" xmlns:p="http://schemas.openxmlformats.org/presentationml/2006/main" xmlns:r="http://schemas.openxmlformats.org/officeDocument/2006/relationships">
+<p:sld xmlns:a="http://schemas.openxmlformats.org/drawingml/2006/main" xmlns:r="http://schemas.openxmlformats.org/officeDocument/2006/relationships" xmlns:p="http://schemas.openxmlformats.org/presentationml/2006/main">
   <p:cSld>
     <p:spTree>
       <p:nvGrpSpPr>
@@ -3166,7 +3357,14 @@
         <p:cNvGrpSpPr/>
         <p:nvPr/>
       </p:nvGrpSpPr>
-      <p:grpSpPr/>
+      <p:grpSpPr>
+        <a:xfrm>
+          <a:off x="0" y="0"/>
+          <a:ext cx="0" cy="0"/>
+          <a:chOff x="0" y="0"/>
+          <a:chExt cx="0" cy="0"/>
+        </a:xfrm>
+      </p:grpSpPr>
       <p:sp>
         <p:nvSpPr>
           <p:cNvPr id="2" name="Subtitle 1"/>
@@ -3174,7 +3372,7 @@
             <a:spLocks noGrp="1"/>
           </p:cNvSpPr>
           <p:nvPr>
-            <p:ph type="subTitle" idx="1" sz="quarter"/>
+            <p:ph type="subTitle" sz="quarter" idx="1"/>
           </p:nvPr>
         </p:nvSpPr>
         <p:spPr/>
@@ -3187,10 +3385,7 @@
             </a:pPr>
             <a:r>
               <a:t>Denial of Service (DoS)
-</a:t>
-            </a:r>
-            <a:r>
-              <a:t>Input Validation
+Input Validation
 </a:t>
             </a:r>
             <a:r>
@@ -3200,20 +3395,11 @@
             </a:r>
             <a:r>
               <a:t>Variable Scope
+Thread Safety
+Exception Handling
+Role-Based Authentication
 </a:t>
             </a:r>
-            <a:r>
-              <a:t>Thread Safety
-</a:t>
-            </a:r>
-            <a:r>
-              <a:t>Exception Handling
-</a:t>
-            </a:r>
-            <a:r>
-              <a:t>Role-Based Authentication
-</a:t>
-            </a:r>
           </a:p>
         </p:txBody>
       </p:sp>
@@ -3229,13 +3415,15 @@
         </p:nvSpPr>
         <p:spPr/>
         <p:txBody>
-          <a:bodyPr/>
-          <a:lstStyle/>
-          <a:p>
-            <a:pPr>
-              <a:defRPr sz="2700"/>
-            </a:pPr>
-            <a:r>
+          <a:bodyPr wrap="square">
+            <a:noAutofit/>
+          </a:bodyPr>
+          <a:lstStyle/>
+          <a:p>
+            <a:r>
+              <a:rPr sz="4200" b="1" i="0">
+                <a:latin typeface="Times New Roman"/>
+              </a:rPr>
               <a:t>Mutability</a:t>
             </a:r>
           </a:p>
@@ -3283,7 +3471,7 @@
 </file>
 
 <file path=ppt/slides/slide17.xml><?xml version="1.0" encoding="utf-8"?>
-<p:sld xmlns:a="http://schemas.openxmlformats.org/drawingml/2006/main" xmlns:p="http://schemas.openxmlformats.org/presentationml/2006/main" xmlns:r="http://schemas.openxmlformats.org/officeDocument/2006/relationships">
+<p:sld xmlns:a="http://schemas.openxmlformats.org/drawingml/2006/main" xmlns:r="http://schemas.openxmlformats.org/officeDocument/2006/relationships" xmlns:p="http://schemas.openxmlformats.org/presentationml/2006/main">
   <p:cSld>
     <p:spTree>
       <p:nvGrpSpPr>
@@ -3291,7 +3479,14 @@
         <p:cNvGrpSpPr/>
         <p:nvPr/>
       </p:nvGrpSpPr>
-      <p:grpSpPr/>
+      <p:grpSpPr>
+        <a:xfrm>
+          <a:off x="0" y="0"/>
+          <a:ext cx="0" cy="0"/>
+          <a:chOff x="0" y="0"/>
+          <a:chExt cx="0" cy="0"/>
+        </a:xfrm>
+      </p:grpSpPr>
       <p:sp>
         <p:nvSpPr>
           <p:cNvPr id="2" name="Title 1"/>
@@ -3391,7 +3586,7 @@
 </file>
 
 <file path=ppt/slides/slide18.xml><?xml version="1.0" encoding="utf-8"?>
-<p:sld xmlns:a="http://schemas.openxmlformats.org/drawingml/2006/main" xmlns:p="http://schemas.openxmlformats.org/presentationml/2006/main" xmlns:r="http://schemas.openxmlformats.org/officeDocument/2006/relationships">
+<p:sld xmlns:a="http://schemas.openxmlformats.org/drawingml/2006/main" xmlns:r="http://schemas.openxmlformats.org/officeDocument/2006/relationships" xmlns:p="http://schemas.openxmlformats.org/presentationml/2006/main">
   <p:cSld>
     <p:spTree>
       <p:nvGrpSpPr>
@@ -3399,7 +3594,14 @@
         <p:cNvGrpSpPr/>
         <p:nvPr/>
       </p:nvGrpSpPr>
-      <p:grpSpPr/>
+      <p:grpSpPr>
+        <a:xfrm>
+          <a:off x="0" y="0"/>
+          <a:ext cx="0" cy="0"/>
+          <a:chOff x="0" y="0"/>
+          <a:chExt cx="0" cy="0"/>
+        </a:xfrm>
+      </p:grpSpPr>
       <p:sp>
         <p:nvSpPr>
           <p:cNvPr id="2" name="Title 1"/>
@@ -3435,13 +3637,27 @@
         <p:txBody>
           <a:bodyPr/>
           <a:lstStyle/>
-          <a:p/>
-          <a:p/>
-          <a:p/>
-          <a:p/>
-          <a:p/>
-          <a:p/>
-          <a:p/>
+          <a:p>
+            <a:endParaRPr/>
+          </a:p>
+          <a:p>
+            <a:endParaRPr/>
+          </a:p>
+          <a:p>
+            <a:endParaRPr/>
+          </a:p>
+          <a:p>
+            <a:endParaRPr/>
+          </a:p>
+          <a:p>
+            <a:endParaRPr/>
+          </a:p>
+          <a:p>
+            <a:endParaRPr/>
+          </a:p>
+          <a:p>
+            <a:endParaRPr/>
+          </a:p>
         </p:txBody>
       </p:sp>
       <p:sp>
@@ -3510,7 +3726,7 @@
 </file>
 
 <file path=ppt/slides/slide19.xml><?xml version="1.0" encoding="utf-8"?>
-<p:sld xmlns:a="http://schemas.openxmlformats.org/drawingml/2006/main" xmlns:p="http://schemas.openxmlformats.org/presentationml/2006/main" xmlns:r="http://schemas.openxmlformats.org/officeDocument/2006/relationships">
+<p:sld xmlns:a="http://schemas.openxmlformats.org/drawingml/2006/main" xmlns:r="http://schemas.openxmlformats.org/officeDocument/2006/relationships" xmlns:p="http://schemas.openxmlformats.org/presentationml/2006/main">
   <p:cSld>
     <p:spTree>
       <p:nvGrpSpPr>
@@ -3518,7 +3734,14 @@
         <p:cNvGrpSpPr/>
         <p:nvPr/>
       </p:nvGrpSpPr>
-      <p:grpSpPr/>
+      <p:grpSpPr>
+        <a:xfrm>
+          <a:off x="0" y="0"/>
+          <a:ext cx="0" cy="0"/>
+          <a:chOff x="0" y="0"/>
+          <a:chExt cx="0" cy="0"/>
+        </a:xfrm>
+      </p:grpSpPr>
       <p:sp>
         <p:nvSpPr>
           <p:cNvPr id="2" name="Title 1"/>
@@ -3613,7 +3836,7 @@
 </file>
 
 <file path=ppt/slides/slide2.xml><?xml version="1.0" encoding="utf-8"?>
-<p:sld xmlns:a="http://schemas.openxmlformats.org/drawingml/2006/main" xmlns:p="http://schemas.openxmlformats.org/presentationml/2006/main" xmlns:r="http://schemas.openxmlformats.org/officeDocument/2006/relationships">
+<p:sld xmlns:a="http://schemas.openxmlformats.org/drawingml/2006/main" xmlns:r="http://schemas.openxmlformats.org/officeDocument/2006/relationships" xmlns:p="http://schemas.openxmlformats.org/presentationml/2006/main">
   <p:cSld>
     <p:spTree>
       <p:nvGrpSpPr>
@@ -3621,7 +3844,14 @@
         <p:cNvGrpSpPr/>
         <p:nvPr/>
       </p:nvGrpSpPr>
-      <p:grpSpPr/>
+      <p:grpSpPr>
+        <a:xfrm>
+          <a:off x="0" y="0"/>
+          <a:ext cx="0" cy="0"/>
+          <a:chOff x="0" y="0"/>
+          <a:chExt cx="0" cy="0"/>
+        </a:xfrm>
+      </p:grpSpPr>
       <p:sp>
         <p:nvSpPr>
           <p:cNvPr id="2" name="Title 1"/>
@@ -3736,7 +3966,7 @@
 </file>
 
 <file path=ppt/slides/slide20.xml><?xml version="1.0" encoding="utf-8"?>
-<p:sld xmlns:a="http://schemas.openxmlformats.org/drawingml/2006/main" xmlns:p="http://schemas.openxmlformats.org/presentationml/2006/main" xmlns:r="http://schemas.openxmlformats.org/officeDocument/2006/relationships">
+<p:sld xmlns:a="http://schemas.openxmlformats.org/drawingml/2006/main" xmlns:r="http://schemas.openxmlformats.org/officeDocument/2006/relationships" xmlns:p="http://schemas.openxmlformats.org/presentationml/2006/main">
   <p:cSld>
     <p:spTree>
       <p:nvGrpSpPr>
@@ -3744,7 +3974,14 @@
         <p:cNvGrpSpPr/>
         <p:nvPr/>
       </p:nvGrpSpPr>
-      <p:grpSpPr/>
+      <p:grpSpPr>
+        <a:xfrm>
+          <a:off x="0" y="0"/>
+          <a:ext cx="0" cy="0"/>
+          <a:chOff x="0" y="0"/>
+          <a:chExt cx="0" cy="0"/>
+        </a:xfrm>
+      </p:grpSpPr>
       <p:sp>
         <p:nvSpPr>
           <p:cNvPr id="2" name="Title 1"/>
@@ -3785,9 +4022,15 @@
               <a:t> Example of copying a trusted mutable object:</a:t>
             </a:r>
           </a:p>
-          <a:p/>
-          <a:p/>
-          <a:p/>
+          <a:p>
+            <a:endParaRPr/>
+          </a:p>
+          <a:p>
+            <a:endParaRPr/>
+          </a:p>
+          <a:p>
+            <a:endParaRPr/>
+          </a:p>
         </p:txBody>
       </p:sp>
       <p:sp>
@@ -3856,7 +4099,7 @@
 </file>
 
 <file path=ppt/slides/slide21.xml><?xml version="1.0" encoding="utf-8"?>
-<p:sld xmlns:a="http://schemas.openxmlformats.org/drawingml/2006/main" xmlns:p="http://schemas.openxmlformats.org/presentationml/2006/main" xmlns:r="http://schemas.openxmlformats.org/officeDocument/2006/relationships">
+<p:sld xmlns:a="http://schemas.openxmlformats.org/drawingml/2006/main" xmlns:r="http://schemas.openxmlformats.org/officeDocument/2006/relationships" xmlns:p="http://schemas.openxmlformats.org/presentationml/2006/main">
   <p:cSld>
     <p:spTree>
       <p:nvGrpSpPr>
@@ -3864,7 +4107,14 @@
         <p:cNvGrpSpPr/>
         <p:nvPr/>
       </p:nvGrpSpPr>
-      <p:grpSpPr/>
+      <p:grpSpPr>
+        <a:xfrm>
+          <a:off x="0" y="0"/>
+          <a:ext cx="0" cy="0"/>
+          <a:chOff x="0" y="0"/>
+          <a:chExt cx="0" cy="0"/>
+        </a:xfrm>
+      </p:grpSpPr>
       <p:sp>
         <p:nvSpPr>
           <p:cNvPr id="2" name="Title 1"/>
@@ -3959,7 +4209,7 @@
 </file>
 
 <file path=ppt/slides/slide22.xml><?xml version="1.0" encoding="utf-8"?>
-<p:sld xmlns:a="http://schemas.openxmlformats.org/drawingml/2006/main" xmlns:p="http://schemas.openxmlformats.org/presentationml/2006/main" xmlns:r="http://schemas.openxmlformats.org/officeDocument/2006/relationships">
+<p:sld xmlns:a="http://schemas.openxmlformats.org/drawingml/2006/main" xmlns:r="http://schemas.openxmlformats.org/officeDocument/2006/relationships" xmlns:p="http://schemas.openxmlformats.org/presentationml/2006/main">
   <p:cSld>
     <p:spTree>
       <p:nvGrpSpPr>
@@ -3967,7 +4217,14 @@
         <p:cNvGrpSpPr/>
         <p:nvPr/>
       </p:nvGrpSpPr>
-      <p:grpSpPr/>
+      <p:grpSpPr>
+        <a:xfrm>
+          <a:off x="0" y="0"/>
+          <a:ext cx="0" cy="0"/>
+          <a:chOff x="0" y="0"/>
+          <a:chExt cx="0" cy="0"/>
+        </a:xfrm>
+      </p:grpSpPr>
       <p:sp>
         <p:nvSpPr>
           <p:cNvPr id="2" name="Title 1"/>
@@ -4003,10 +4260,18 @@
         <p:txBody>
           <a:bodyPr/>
           <a:lstStyle/>
-          <a:p/>
-          <a:p/>
-          <a:p/>
-          <a:p/>
+          <a:p>
+            <a:endParaRPr/>
+          </a:p>
+          <a:p>
+            <a:endParaRPr/>
+          </a:p>
+          <a:p>
+            <a:endParaRPr/>
+          </a:p>
+          <a:p>
+            <a:endParaRPr/>
+          </a:p>
         </p:txBody>
       </p:sp>
       <p:sp>
@@ -4059,7 +4324,7 @@
         <p:spPr>
           <a:xfrm>
             <a:off x="0" y="914400"/>
-            <a:ext cx="8788400" cy="2654300"/>
+            <a:ext cx="8801100" cy="2654300"/>
           </a:xfrm>
           <a:prstGeom prst="rect">
             <a:avLst/>
@@ -4075,7 +4340,7 @@
 </file>
 
 <file path=ppt/slides/slide23.xml><?xml version="1.0" encoding="utf-8"?>
-<p:sld xmlns:a="http://schemas.openxmlformats.org/drawingml/2006/main" xmlns:p="http://schemas.openxmlformats.org/presentationml/2006/main" xmlns:r="http://schemas.openxmlformats.org/officeDocument/2006/relationships">
+<p:sld xmlns:a="http://schemas.openxmlformats.org/drawingml/2006/main" xmlns:r="http://schemas.openxmlformats.org/officeDocument/2006/relationships" xmlns:p="http://schemas.openxmlformats.org/presentationml/2006/main">
   <p:cSld>
     <p:spTree>
       <p:nvGrpSpPr>
@@ -4083,7 +4348,14 @@
         <p:cNvGrpSpPr/>
         <p:nvPr/>
       </p:nvGrpSpPr>
-      <p:grpSpPr/>
+      <p:grpSpPr>
+        <a:xfrm>
+          <a:off x="0" y="0"/>
+          <a:ext cx="0" cy="0"/>
+          <a:chOff x="0" y="0"/>
+          <a:chExt cx="0" cy="0"/>
+        </a:xfrm>
+      </p:grpSpPr>
       <p:sp>
         <p:nvSpPr>
           <p:cNvPr id="2" name="Title 1"/>
@@ -4187,7 +4459,7 @@
 </file>
 
 <file path=ppt/slides/slide24.xml><?xml version="1.0" encoding="utf-8"?>
-<p:sld xmlns:a="http://schemas.openxmlformats.org/drawingml/2006/main" xmlns:p="http://schemas.openxmlformats.org/presentationml/2006/main" xmlns:r="http://schemas.openxmlformats.org/officeDocument/2006/relationships">
+<p:sld xmlns:a="http://schemas.openxmlformats.org/drawingml/2006/main" xmlns:r="http://schemas.openxmlformats.org/officeDocument/2006/relationships" xmlns:p="http://schemas.openxmlformats.org/presentationml/2006/main">
   <p:cSld>
     <p:spTree>
       <p:nvGrpSpPr>
@@ -4195,7 +4467,14 @@
         <p:cNvGrpSpPr/>
         <p:nvPr/>
       </p:nvGrpSpPr>
-      <p:grpSpPr/>
+      <p:grpSpPr>
+        <a:xfrm>
+          <a:off x="0" y="0"/>
+          <a:ext cx="0" cy="0"/>
+          <a:chOff x="0" y="0"/>
+          <a:chExt cx="0" cy="0"/>
+        </a:xfrm>
+      </p:grpSpPr>
       <p:sp>
         <p:nvSpPr>
           <p:cNvPr id="2" name="Title 1"/>
@@ -4325,7 +4604,7 @@
 </file>
 
 <file path=ppt/slides/slide25.xml><?xml version="1.0" encoding="utf-8"?>
-<p:sld xmlns:a="http://schemas.openxmlformats.org/drawingml/2006/main" xmlns:p="http://schemas.openxmlformats.org/presentationml/2006/main" xmlns:r="http://schemas.openxmlformats.org/officeDocument/2006/relationships">
+<p:sld xmlns:a="http://schemas.openxmlformats.org/drawingml/2006/main" xmlns:r="http://schemas.openxmlformats.org/officeDocument/2006/relationships" xmlns:p="http://schemas.openxmlformats.org/presentationml/2006/main">
   <p:cSld>
     <p:spTree>
       <p:nvGrpSpPr>
@@ -4333,7 +4612,14 @@
         <p:cNvGrpSpPr/>
         <p:nvPr/>
       </p:nvGrpSpPr>
-      <p:grpSpPr/>
+      <p:grpSpPr>
+        <a:xfrm>
+          <a:off x="0" y="0"/>
+          <a:ext cx="0" cy="0"/>
+          <a:chOff x="0" y="0"/>
+          <a:chExt cx="0" cy="0"/>
+        </a:xfrm>
+      </p:grpSpPr>
       <p:sp>
         <p:nvSpPr>
           <p:cNvPr id="2" name="Title 1"/>
@@ -4369,9 +4655,15 @@
         <p:txBody>
           <a:bodyPr/>
           <a:lstStyle/>
-          <a:p/>
-          <a:p/>
-          <a:p/>
+          <a:p>
+            <a:endParaRPr/>
+          </a:p>
+          <a:p>
+            <a:endParaRPr/>
+          </a:p>
+          <a:p>
+            <a:endParaRPr/>
+          </a:p>
         </p:txBody>
       </p:sp>
       <p:sp>
@@ -4440,7 +4732,7 @@
 </file>
 
 <file path=ppt/slides/slide26.xml><?xml version="1.0" encoding="utf-8"?>
-<p:sld xmlns:a="http://schemas.openxmlformats.org/drawingml/2006/main" xmlns:p="http://schemas.openxmlformats.org/presentationml/2006/main" xmlns:r="http://schemas.openxmlformats.org/officeDocument/2006/relationships">
+<p:sld xmlns:a="http://schemas.openxmlformats.org/drawingml/2006/main" xmlns:r="http://schemas.openxmlformats.org/officeDocument/2006/relationships" xmlns:p="http://schemas.openxmlformats.org/presentationml/2006/main">
   <p:cSld>
     <p:spTree>
       <p:nvGrpSpPr>
@@ -4448,7 +4740,14 @@
         <p:cNvGrpSpPr/>
         <p:nvPr/>
       </p:nvGrpSpPr>
-      <p:grpSpPr/>
+      <p:grpSpPr>
+        <a:xfrm>
+          <a:off x="0" y="0"/>
+          <a:ext cx="0" cy="0"/>
+          <a:chOff x="0" y="0"/>
+          <a:chExt cx="0" cy="0"/>
+        </a:xfrm>
+      </p:grpSpPr>
       <p:sp>
         <p:nvSpPr>
           <p:cNvPr id="2" name="Title 1"/>
@@ -4489,13 +4788,27 @@
               <a:t> If such a collection is not available: Package private key helps</a:t>
             </a:r>
           </a:p>
-          <a:p/>
-          <a:p/>
-          <a:p/>
-          <a:p/>
-          <a:p/>
-          <a:p/>
-          <a:p/>
+          <a:p>
+            <a:endParaRPr/>
+          </a:p>
+          <a:p>
+            <a:endParaRPr/>
+          </a:p>
+          <a:p>
+            <a:endParaRPr/>
+          </a:p>
+          <a:p>
+            <a:endParaRPr/>
+          </a:p>
+          <a:p>
+            <a:endParaRPr/>
+          </a:p>
+          <a:p>
+            <a:endParaRPr/>
+          </a:p>
+          <a:p>
+            <a:endParaRPr/>
+          </a:p>
         </p:txBody>
       </p:sp>
       <p:sp>
@@ -4564,7 +4877,7 @@
 </file>
 
 <file path=ppt/slides/slide27.xml><?xml version="1.0" encoding="utf-8"?>
-<p:sld xmlns:a="http://schemas.openxmlformats.org/drawingml/2006/main" xmlns:p="http://schemas.openxmlformats.org/presentationml/2006/main" xmlns:r="http://schemas.openxmlformats.org/officeDocument/2006/relationships">
+<p:sld xmlns:a="http://schemas.openxmlformats.org/drawingml/2006/main" xmlns:r="http://schemas.openxmlformats.org/officeDocument/2006/relationships" xmlns:p="http://schemas.openxmlformats.org/presentationml/2006/main">
   <p:cSld>
     <p:spTree>
       <p:nvGrpSpPr>
@@ -4572,7 +4885,14 @@
         <p:cNvGrpSpPr/>
         <p:nvPr/>
       </p:nvGrpSpPr>
-      <p:grpSpPr/>
+      <p:grpSpPr>
+        <a:xfrm>
+          <a:off x="0" y="0"/>
+          <a:ext cx="0" cy="0"/>
+          <a:chOff x="0" y="0"/>
+          <a:chExt cx="0" cy="0"/>
+        </a:xfrm>
+      </p:grpSpPr>
       <p:sp>
         <p:nvSpPr>
           <p:cNvPr id="2" name="Title 1"/>
@@ -4618,8 +4938,12 @@
               <a:t> Apply proper copying</a:t>
             </a:r>
           </a:p>
-          <a:p/>
-          <a:p/>
+          <a:p>
+            <a:endParaRPr/>
+          </a:p>
+          <a:p>
+            <a:endParaRPr/>
+          </a:p>
         </p:txBody>
       </p:sp>
       <p:sp>
@@ -4688,7 +5012,7 @@
 </file>
 
 <file path=ppt/slides/slide28.xml><?xml version="1.0" encoding="utf-8"?>
-<p:sld xmlns:a="http://schemas.openxmlformats.org/drawingml/2006/main" xmlns:p="http://schemas.openxmlformats.org/presentationml/2006/main" xmlns:r="http://schemas.openxmlformats.org/officeDocument/2006/relationships">
+<p:sld xmlns:a="http://schemas.openxmlformats.org/drawingml/2006/main" xmlns:r="http://schemas.openxmlformats.org/officeDocument/2006/relationships" xmlns:p="http://schemas.openxmlformats.org/presentationml/2006/main">
   <p:cSld>
     <p:spTree>
       <p:nvGrpSpPr>
@@ -4696,7 +5020,14 @@
         <p:cNvGrpSpPr/>
         <p:nvPr/>
       </p:nvGrpSpPr>
-      <p:grpSpPr/>
+      <p:grpSpPr>
+        <a:xfrm>
+          <a:off x="0" y="0"/>
+          <a:ext cx="0" cy="0"/>
+          <a:chOff x="0" y="0"/>
+          <a:chExt cx="0" cy="0"/>
+        </a:xfrm>
+      </p:grpSpPr>
       <p:sp>
         <p:nvSpPr>
           <p:cNvPr id="2" name="Title 1"/>
@@ -4742,10 +5073,18 @@
               <a:t> Apply proper copying and validation</a:t>
             </a:r>
           </a:p>
-          <a:p/>
-          <a:p/>
-          <a:p/>
-          <a:p/>
+          <a:p>
+            <a:endParaRPr/>
+          </a:p>
+          <a:p>
+            <a:endParaRPr/>
+          </a:p>
+          <a:p>
+            <a:endParaRPr/>
+          </a:p>
+          <a:p>
+            <a:endParaRPr/>
+          </a:p>
         </p:txBody>
       </p:sp>
       <p:sp>
@@ -4814,7 +5153,7 @@
 </file>
 
 <file path=ppt/slides/slide29.xml><?xml version="1.0" encoding="utf-8"?>
-<p:sld xmlns:a="http://schemas.openxmlformats.org/drawingml/2006/main" xmlns:p="http://schemas.openxmlformats.org/presentationml/2006/main" xmlns:r="http://schemas.openxmlformats.org/officeDocument/2006/relationships">
+<p:sld xmlns:a="http://schemas.openxmlformats.org/drawingml/2006/main" xmlns:r="http://schemas.openxmlformats.org/officeDocument/2006/relationships" xmlns:p="http://schemas.openxmlformats.org/presentationml/2006/main">
   <p:cSld>
     <p:spTree>
       <p:nvGrpSpPr>
@@ -4822,7 +5161,14 @@
         <p:cNvGrpSpPr/>
         <p:nvPr/>
       </p:nvGrpSpPr>
-      <p:grpSpPr/>
+      <p:grpSpPr>
+        <a:xfrm>
+          <a:off x="0" y="0"/>
+          <a:ext cx="0" cy="0"/>
+          <a:chOff x="0" y="0"/>
+          <a:chExt cx="0" cy="0"/>
+        </a:xfrm>
+      </p:grpSpPr>
       <p:sp>
         <p:nvSpPr>
           <p:cNvPr id="2" name="Title 1"/>
@@ -4917,7 +5263,7 @@
 </file>
 
 <file path=ppt/slides/slide3.xml><?xml version="1.0" encoding="utf-8"?>
-<p:sld xmlns:a="http://schemas.openxmlformats.org/drawingml/2006/main" xmlns:p="http://schemas.openxmlformats.org/presentationml/2006/main" xmlns:r="http://schemas.openxmlformats.org/officeDocument/2006/relationships">
+<p:sld xmlns:a="http://schemas.openxmlformats.org/drawingml/2006/main" xmlns:r="http://schemas.openxmlformats.org/officeDocument/2006/relationships" xmlns:p="http://schemas.openxmlformats.org/presentationml/2006/main">
   <p:cSld>
     <p:spTree>
       <p:nvGrpSpPr>
@@ -4925,7 +5271,14 @@
         <p:cNvGrpSpPr/>
         <p:nvPr/>
       </p:nvGrpSpPr>
-      <p:grpSpPr/>
+      <p:grpSpPr>
+        <a:xfrm>
+          <a:off x="0" y="0"/>
+          <a:ext cx="0" cy="0"/>
+          <a:chOff x="0" y="0"/>
+          <a:chExt cx="0" cy="0"/>
+        </a:xfrm>
+      </p:grpSpPr>
       <p:sp>
         <p:nvSpPr>
           <p:cNvPr id="2" name="Subtitle 1"/>
@@ -4933,7 +5286,7 @@
             <a:spLocks noGrp="1"/>
           </p:cNvSpPr>
           <p:nvPr>
-            <p:ph type="subTitle" idx="1" sz="quarter"/>
+            <p:ph type="subTitle" sz="quarter" idx="1"/>
           </p:nvPr>
         </p:nvSpPr>
         <p:spPr/>
@@ -4951,28 +5304,13 @@
             </a:r>
             <a:r>
               <a:t>Input Validation
+Mutability
+Variable Scope
+Thread Safety
+Exception Handling
+Role-Based Authentication
 </a:t>
             </a:r>
-            <a:r>
-              <a:t>Mutability
-</a:t>
-            </a:r>
-            <a:r>
-              <a:t>Variable Scope
-</a:t>
-            </a:r>
-            <a:r>
-              <a:t>Thread Safety
-</a:t>
-            </a:r>
-            <a:r>
-              <a:t>Exception Handling
-</a:t>
-            </a:r>
-            <a:r>
-              <a:t>Role-Based Authentication
-</a:t>
-            </a:r>
           </a:p>
         </p:txBody>
       </p:sp>
@@ -4988,13 +5326,15 @@
         </p:nvSpPr>
         <p:spPr/>
         <p:txBody>
-          <a:bodyPr/>
-          <a:lstStyle/>
-          <a:p>
-            <a:pPr>
-              <a:defRPr sz="2700"/>
-            </a:pPr>
-            <a:r>
+          <a:bodyPr wrap="square">
+            <a:noAutofit/>
+          </a:bodyPr>
+          <a:lstStyle/>
+          <a:p>
+            <a:r>
+              <a:rPr sz="4200" b="1" i="0">
+                <a:latin typeface="Times New Roman"/>
+              </a:rPr>
               <a:t>Denial of Service (DoS)</a:t>
             </a:r>
           </a:p>
@@ -5042,7 +5382,7 @@
 </file>
 
 <file path=ppt/slides/slide30.xml><?xml version="1.0" encoding="utf-8"?>
-<p:sld xmlns:a="http://schemas.openxmlformats.org/drawingml/2006/main" xmlns:p="http://schemas.openxmlformats.org/presentationml/2006/main" xmlns:r="http://schemas.openxmlformats.org/officeDocument/2006/relationships">
+<p:sld xmlns:a="http://schemas.openxmlformats.org/drawingml/2006/main" xmlns:r="http://schemas.openxmlformats.org/officeDocument/2006/relationships" xmlns:p="http://schemas.openxmlformats.org/presentationml/2006/main">
   <p:cSld>
     <p:spTree>
       <p:nvGrpSpPr>
@@ -5050,7 +5390,14 @@
         <p:cNvGrpSpPr/>
         <p:nvPr/>
       </p:nvGrpSpPr>
-      <p:grpSpPr/>
+      <p:grpSpPr>
+        <a:xfrm>
+          <a:off x="0" y="0"/>
+          <a:ext cx="0" cy="0"/>
+          <a:chOff x="0" y="0"/>
+          <a:chExt cx="0" cy="0"/>
+        </a:xfrm>
+      </p:grpSpPr>
       <p:sp>
         <p:nvSpPr>
           <p:cNvPr id="2" name="Title 1"/>
@@ -5086,13 +5433,27 @@
         <p:txBody>
           <a:bodyPr/>
           <a:lstStyle/>
-          <a:p/>
-          <a:p/>
-          <a:p/>
-          <a:p/>
-          <a:p/>
-          <a:p/>
-          <a:p/>
+          <a:p>
+            <a:endParaRPr/>
+          </a:p>
+          <a:p>
+            <a:endParaRPr/>
+          </a:p>
+          <a:p>
+            <a:endParaRPr/>
+          </a:p>
+          <a:p>
+            <a:endParaRPr/>
+          </a:p>
+          <a:p>
+            <a:endParaRPr/>
+          </a:p>
+          <a:p>
+            <a:endParaRPr/>
+          </a:p>
+          <a:p>
+            <a:endParaRPr/>
+          </a:p>
         </p:txBody>
       </p:sp>
       <p:sp>
@@ -5161,7 +5522,7 @@
 </file>
 
 <file path=ppt/slides/slide31.xml><?xml version="1.0" encoding="utf-8"?>
-<p:sld xmlns:a="http://schemas.openxmlformats.org/drawingml/2006/main" xmlns:p="http://schemas.openxmlformats.org/presentationml/2006/main" xmlns:r="http://schemas.openxmlformats.org/officeDocument/2006/relationships">
+<p:sld xmlns:a="http://schemas.openxmlformats.org/drawingml/2006/main" xmlns:r="http://schemas.openxmlformats.org/officeDocument/2006/relationships" xmlns:p="http://schemas.openxmlformats.org/presentationml/2006/main">
   <p:cSld>
     <p:spTree>
       <p:nvGrpSpPr>
@@ -5169,7 +5530,14 @@
         <p:cNvGrpSpPr/>
         <p:nvPr/>
       </p:nvGrpSpPr>
-      <p:grpSpPr/>
+      <p:grpSpPr>
+        <a:xfrm>
+          <a:off x="0" y="0"/>
+          <a:ext cx="0" cy="0"/>
+          <a:chOff x="0" y="0"/>
+          <a:chExt cx="0" cy="0"/>
+        </a:xfrm>
+      </p:grpSpPr>
       <p:sp>
         <p:nvSpPr>
           <p:cNvPr id="2" name="Title 1"/>
@@ -5205,8 +5573,12 @@
         <p:txBody>
           <a:bodyPr/>
           <a:lstStyle/>
-          <a:p/>
-          <a:p/>
+          <a:p>
+            <a:endParaRPr/>
+          </a:p>
+          <a:p>
+            <a:endParaRPr/>
+          </a:p>
         </p:txBody>
       </p:sp>
       <p:sp>
@@ -5275,7 +5647,7 @@
 </file>
 
 <file path=ppt/slides/slide32.xml><?xml version="1.0" encoding="utf-8"?>
-<p:sld xmlns:a="http://schemas.openxmlformats.org/drawingml/2006/main" xmlns:p="http://schemas.openxmlformats.org/presentationml/2006/main" xmlns:r="http://schemas.openxmlformats.org/officeDocument/2006/relationships">
+<p:sld xmlns:a="http://schemas.openxmlformats.org/drawingml/2006/main" xmlns:r="http://schemas.openxmlformats.org/officeDocument/2006/relationships" xmlns:p="http://schemas.openxmlformats.org/presentationml/2006/main">
   <p:cSld>
     <p:spTree>
       <p:nvGrpSpPr>
@@ -5283,7 +5655,14 @@
         <p:cNvGrpSpPr/>
         <p:nvPr/>
       </p:nvGrpSpPr>
-      <p:grpSpPr/>
+      <p:grpSpPr>
+        <a:xfrm>
+          <a:off x="0" y="0"/>
+          <a:ext cx="0" cy="0"/>
+          <a:chOff x="0" y="0"/>
+          <a:chExt cx="0" cy="0"/>
+        </a:xfrm>
+      </p:grpSpPr>
       <p:sp>
         <p:nvSpPr>
           <p:cNvPr id="2" name="Title 1"/>
@@ -5329,8 +5708,12 @@
               <a:t> Following example shows prevention the list from being modified</a:t>
             </a:r>
           </a:p>
-          <a:p/>
-          <a:p/>
+          <a:p>
+            <a:endParaRPr/>
+          </a:p>
+          <a:p>
+            <a:endParaRPr/>
+          </a:p>
         </p:txBody>
       </p:sp>
       <p:sp>
@@ -5399,7 +5782,7 @@
 </file>
 
 <file path=ppt/slides/slide33.xml><?xml version="1.0" encoding="utf-8"?>
-<p:sld xmlns:a="http://schemas.openxmlformats.org/drawingml/2006/main" xmlns:p="http://schemas.openxmlformats.org/presentationml/2006/main" xmlns:r="http://schemas.openxmlformats.org/officeDocument/2006/relationships">
+<p:sld xmlns:a="http://schemas.openxmlformats.org/drawingml/2006/main" xmlns:r="http://schemas.openxmlformats.org/officeDocument/2006/relationships" xmlns:p="http://schemas.openxmlformats.org/presentationml/2006/main">
   <p:cSld>
     <p:spTree>
       <p:nvGrpSpPr>
@@ -5407,7 +5790,14 @@
         <p:cNvGrpSpPr/>
         <p:nvPr/>
       </p:nvGrpSpPr>
-      <p:grpSpPr/>
+      <p:grpSpPr>
+        <a:xfrm>
+          <a:off x="0" y="0"/>
+          <a:ext cx="0" cy="0"/>
+          <a:chOff x="0" y="0"/>
+          <a:chExt cx="0" cy="0"/>
+        </a:xfrm>
+      </p:grpSpPr>
       <p:sp>
         <p:nvSpPr>
           <p:cNvPr id="2" name="Subtitle 1"/>
@@ -5415,7 +5805,7 @@
             <a:spLocks noGrp="1"/>
           </p:cNvSpPr>
           <p:nvPr>
-            <p:ph type="subTitle" idx="1" sz="quarter"/>
+            <p:ph type="subTitle" sz="quarter" idx="1"/>
           </p:nvPr>
         </p:nvSpPr>
         <p:spPr/>
@@ -5428,14 +5818,8 @@
             </a:pPr>
             <a:r>
               <a:t>Denial of Service (DoS)
-</a:t>
-            </a:r>
-            <a:r>
-              <a:t>Input Validation
-</a:t>
-            </a:r>
-            <a:r>
-              <a:t>Mutability
+Input Validation
+Mutability
 </a:t>
             </a:r>
             <a:r>
@@ -5445,16 +5829,10 @@
             </a:r>
             <a:r>
               <a:t>Thread Safety
+Exception Handling
+Role-Based Authentication
 </a:t>
             </a:r>
-            <a:r>
-              <a:t>Exception Handling
-</a:t>
-            </a:r>
-            <a:r>
-              <a:t>Role-Based Authentication
-</a:t>
-            </a:r>
           </a:p>
         </p:txBody>
       </p:sp>
@@ -5470,13 +5848,15 @@
         </p:nvSpPr>
         <p:spPr/>
         <p:txBody>
-          <a:bodyPr/>
-          <a:lstStyle/>
-          <a:p>
-            <a:pPr>
-              <a:defRPr sz="2700"/>
-            </a:pPr>
-            <a:r>
+          <a:bodyPr wrap="square">
+            <a:noAutofit/>
+          </a:bodyPr>
+          <a:lstStyle/>
+          <a:p>
+            <a:r>
+              <a:rPr sz="4200" b="1" i="0">
+                <a:latin typeface="Times New Roman"/>
+              </a:rPr>
               <a:t>Variable Scope</a:t>
             </a:r>
           </a:p>
@@ -5524,7 +5904,7 @@
 </file>
 
 <file path=ppt/slides/slide34.xml><?xml version="1.0" encoding="utf-8"?>
-<p:sld xmlns:a="http://schemas.openxmlformats.org/drawingml/2006/main" xmlns:p="http://schemas.openxmlformats.org/presentationml/2006/main" xmlns:r="http://schemas.openxmlformats.org/officeDocument/2006/relationships">
+<p:sld xmlns:a="http://schemas.openxmlformats.org/drawingml/2006/main" xmlns:r="http://schemas.openxmlformats.org/officeDocument/2006/relationships" xmlns:p="http://schemas.openxmlformats.org/presentationml/2006/main">
   <p:cSld>
     <p:spTree>
       <p:nvGrpSpPr>
@@ -5532,7 +5912,14 @@
         <p:cNvGrpSpPr/>
         <p:nvPr/>
       </p:nvGrpSpPr>
-      <p:grpSpPr/>
+      <p:grpSpPr>
+        <a:xfrm>
+          <a:off x="0" y="0"/>
+          <a:ext cx="0" cy="0"/>
+          <a:chOff x="0" y="0"/>
+          <a:chExt cx="0" cy="0"/>
+        </a:xfrm>
+      </p:grpSpPr>
       <p:sp>
         <p:nvSpPr>
           <p:cNvPr id="2" name="Title 1"/>
@@ -5583,12 +5970,24 @@
               <a:t> Can be access outside the class with these rules:</a:t>
             </a:r>
           </a:p>
-          <a:p/>
-          <a:p/>
-          <a:p/>
-          <a:p/>
-          <a:p/>
-          <a:p/>
+          <a:p>
+            <a:endParaRPr/>
+          </a:p>
+          <a:p>
+            <a:endParaRPr/>
+          </a:p>
+          <a:p>
+            <a:endParaRPr/>
+          </a:p>
+          <a:p>
+            <a:endParaRPr/>
+          </a:p>
+          <a:p>
+            <a:endParaRPr/>
+          </a:p>
+          <a:p>
+            <a:endParaRPr/>
+          </a:p>
         </p:txBody>
       </p:sp>
       <p:sp>
@@ -5640,8 +6039,8 @@
         </p:blipFill>
         <p:spPr>
           <a:xfrm>
-            <a:off x="704088" y="2231136"/>
-            <a:ext cx="3686175" cy="2447925"/>
+            <a:off x="713613" y="2608248"/>
+            <a:ext cx="7106412" cy="4719245"/>
           </a:xfrm>
           <a:prstGeom prst="rect">
             <a:avLst/>
@@ -5657,7 +6056,7 @@
 </file>
 
 <file path=ppt/slides/slide35.xml><?xml version="1.0" encoding="utf-8"?>
-<p:sld xmlns:a="http://schemas.openxmlformats.org/drawingml/2006/main" xmlns:p="http://schemas.openxmlformats.org/presentationml/2006/main" xmlns:r="http://schemas.openxmlformats.org/officeDocument/2006/relationships">
+<p:sld xmlns:a="http://schemas.openxmlformats.org/drawingml/2006/main" xmlns:r="http://schemas.openxmlformats.org/officeDocument/2006/relationships" xmlns:p="http://schemas.openxmlformats.org/presentationml/2006/main">
   <p:cSld>
     <p:spTree>
       <p:nvGrpSpPr>
@@ -5665,7 +6064,14 @@
         <p:cNvGrpSpPr/>
         <p:nvPr/>
       </p:nvGrpSpPr>
-      <p:grpSpPr/>
+      <p:grpSpPr>
+        <a:xfrm>
+          <a:off x="0" y="0"/>
+          <a:ext cx="0" cy="0"/>
+          <a:chOff x="0" y="0"/>
+          <a:chExt cx="0" cy="0"/>
+        </a:xfrm>
+      </p:grpSpPr>
       <p:sp>
         <p:nvSpPr>
           <p:cNvPr id="2" name="Title 1"/>
@@ -5701,10 +6107,18 @@
         <p:txBody>
           <a:bodyPr/>
           <a:lstStyle/>
-          <a:p/>
-          <a:p/>
-          <a:p/>
-          <a:p/>
+          <a:p>
+            <a:endParaRPr/>
+          </a:p>
+          <a:p>
+            <a:endParaRPr/>
+          </a:p>
+          <a:p>
+            <a:endParaRPr/>
+          </a:p>
+          <a:p>
+            <a:endParaRPr/>
+          </a:p>
         </p:txBody>
       </p:sp>
       <p:sp>
@@ -5756,8 +6170,8 @@
         </p:blipFill>
         <p:spPr>
           <a:xfrm>
-            <a:off x="2020824" y="1673352"/>
-            <a:ext cx="4837176" cy="2670048"/>
+            <a:off x="723138" y="1329531"/>
+            <a:ext cx="7454552" cy="4114800"/>
           </a:xfrm>
           <a:prstGeom prst="rect">
             <a:avLst/>
@@ -5773,7 +6187,7 @@
 </file>
 
 <file path=ppt/slides/slide36.xml><?xml version="1.0" encoding="utf-8"?>
-<p:sld xmlns:a="http://schemas.openxmlformats.org/drawingml/2006/main" xmlns:p="http://schemas.openxmlformats.org/presentationml/2006/main" xmlns:r="http://schemas.openxmlformats.org/officeDocument/2006/relationships">
+<p:sld xmlns:a="http://schemas.openxmlformats.org/drawingml/2006/main" xmlns:r="http://schemas.openxmlformats.org/officeDocument/2006/relationships" xmlns:p="http://schemas.openxmlformats.org/presentationml/2006/main">
   <p:cSld>
     <p:spTree>
       <p:nvGrpSpPr>
@@ -5781,7 +6195,14 @@
         <p:cNvGrpSpPr/>
         <p:nvPr/>
       </p:nvGrpSpPr>
-      <p:grpSpPr/>
+      <p:grpSpPr>
+        <a:xfrm>
+          <a:off x="0" y="0"/>
+          <a:ext cx="0" cy="0"/>
+          <a:chOff x="0" y="0"/>
+          <a:chExt cx="0" cy="0"/>
+        </a:xfrm>
+      </p:grpSpPr>
       <p:sp>
         <p:nvSpPr>
           <p:cNvPr id="2" name="Title 1"/>
@@ -5881,7 +6302,7 @@
 </file>
 
 <file path=ppt/slides/slide37.xml><?xml version="1.0" encoding="utf-8"?>
-<p:sld xmlns:a="http://schemas.openxmlformats.org/drawingml/2006/main" xmlns:p="http://schemas.openxmlformats.org/presentationml/2006/main" xmlns:r="http://schemas.openxmlformats.org/officeDocument/2006/relationships">
+<p:sld xmlns:a="http://schemas.openxmlformats.org/drawingml/2006/main" xmlns:r="http://schemas.openxmlformats.org/officeDocument/2006/relationships" xmlns:p="http://schemas.openxmlformats.org/presentationml/2006/main">
   <p:cSld>
     <p:spTree>
       <p:nvGrpSpPr>
@@ -5889,7 +6310,14 @@
         <p:cNvGrpSpPr/>
         <p:nvPr/>
       </p:nvGrpSpPr>
-      <p:grpSpPr/>
+      <p:grpSpPr>
+        <a:xfrm>
+          <a:off x="0" y="0"/>
+          <a:ext cx="0" cy="0"/>
+          <a:chOff x="0" y="0"/>
+          <a:chExt cx="0" cy="0"/>
+        </a:xfrm>
+      </p:grpSpPr>
       <p:sp>
         <p:nvSpPr>
           <p:cNvPr id="2" name="Title 1"/>
@@ -5925,9 +6353,15 @@
         <p:txBody>
           <a:bodyPr/>
           <a:lstStyle/>
-          <a:p/>
-          <a:p/>
-          <a:p/>
+          <a:p>
+            <a:endParaRPr/>
+          </a:p>
+          <a:p>
+            <a:endParaRPr/>
+          </a:p>
+          <a:p>
+            <a:endParaRPr/>
+          </a:p>
         </p:txBody>
       </p:sp>
       <p:sp>
@@ -5979,8 +6413,8 @@
         </p:blipFill>
         <p:spPr>
           <a:xfrm>
-            <a:off x="2020824" y="2130552"/>
-            <a:ext cx="4800600" cy="2130552"/>
+            <a:off x="704088" y="1710531"/>
+            <a:ext cx="7258812" cy="3221530"/>
           </a:xfrm>
           <a:prstGeom prst="rect">
             <a:avLst/>
@@ -5996,7 +6430,7 @@
 </file>
 
 <file path=ppt/slides/slide38.xml><?xml version="1.0" encoding="utf-8"?>
-<p:sld xmlns:a="http://schemas.openxmlformats.org/drawingml/2006/main" xmlns:p="http://schemas.openxmlformats.org/presentationml/2006/main" xmlns:r="http://schemas.openxmlformats.org/officeDocument/2006/relationships">
+<p:sld xmlns:a="http://schemas.openxmlformats.org/drawingml/2006/main" xmlns:r="http://schemas.openxmlformats.org/officeDocument/2006/relationships" xmlns:p="http://schemas.openxmlformats.org/presentationml/2006/main">
   <p:cSld>
     <p:spTree>
       <p:nvGrpSpPr>
@@ -6004,7 +6438,14 @@
         <p:cNvGrpSpPr/>
         <p:nvPr/>
       </p:nvGrpSpPr>
-      <p:grpSpPr/>
+      <p:grpSpPr>
+        <a:xfrm>
+          <a:off x="0" y="0"/>
+          <a:ext cx="0" cy="0"/>
+          <a:chOff x="0" y="0"/>
+          <a:chExt cx="0" cy="0"/>
+        </a:xfrm>
+      </p:grpSpPr>
       <p:sp>
         <p:nvSpPr>
           <p:cNvPr id="2" name="Title 1"/>
@@ -6066,10 +6507,18 @@
               <a:t> Example:</a:t>
             </a:r>
           </a:p>
-          <a:p/>
-          <a:p/>
-          <a:p/>
-          <a:p/>
+          <a:p>
+            <a:endParaRPr/>
+          </a:p>
+          <a:p>
+            <a:endParaRPr/>
+          </a:p>
+          <a:p>
+            <a:endParaRPr/>
+          </a:p>
+          <a:p>
+            <a:endParaRPr/>
+          </a:p>
         </p:txBody>
       </p:sp>
       <p:sp>
@@ -6121,7 +6570,7 @@
         </p:blipFill>
         <p:spPr>
           <a:xfrm>
-            <a:off x="0" y="2734056"/>
+            <a:off x="0" y="3386931"/>
             <a:ext cx="9372600" cy="3392424"/>
           </a:xfrm>
           <a:prstGeom prst="rect">
@@ -6138,7 +6587,7 @@
 </file>
 
 <file path=ppt/slides/slide39.xml><?xml version="1.0" encoding="utf-8"?>
-<p:sld xmlns:a="http://schemas.openxmlformats.org/drawingml/2006/main" xmlns:p="http://schemas.openxmlformats.org/presentationml/2006/main" xmlns:r="http://schemas.openxmlformats.org/officeDocument/2006/relationships">
+<p:sld xmlns:a="http://schemas.openxmlformats.org/drawingml/2006/main" xmlns:r="http://schemas.openxmlformats.org/officeDocument/2006/relationships" xmlns:p="http://schemas.openxmlformats.org/presentationml/2006/main">
   <p:cSld>
     <p:spTree>
       <p:nvGrpSpPr>
@@ -6146,7 +6595,14 @@
         <p:cNvGrpSpPr/>
         <p:nvPr/>
       </p:nvGrpSpPr>
-      <p:grpSpPr/>
+      <p:grpSpPr>
+        <a:xfrm>
+          <a:off x="0" y="0"/>
+          <a:ext cx="0" cy="0"/>
+          <a:chOff x="0" y="0"/>
+          <a:chExt cx="0" cy="0"/>
+        </a:xfrm>
+      </p:grpSpPr>
       <p:sp>
         <p:nvSpPr>
           <p:cNvPr id="2" name="Title 1"/>
@@ -6184,10 +6640,7 @@
           <a:lstStyle/>
           <a:p>
             <a:r>
-              <a:t> The discussion of scopes for methods</a:t>
-            </a:r>
-            <a:r>
-              <a:t> follows the same guidelines as for variables</a:t>
+              <a:t> The discussion of scopes for methods follows the same guidelines as for variables</a:t>
             </a:r>
           </a:p>
         </p:txBody>
@@ -6234,7 +6687,7 @@
 </file>
 
 <file path=ppt/slides/slide4.xml><?xml version="1.0" encoding="utf-8"?>
-<p:sld xmlns:a="http://schemas.openxmlformats.org/drawingml/2006/main" xmlns:p="http://schemas.openxmlformats.org/presentationml/2006/main" xmlns:r="http://schemas.openxmlformats.org/officeDocument/2006/relationships">
+<p:sld xmlns:a="http://schemas.openxmlformats.org/drawingml/2006/main" xmlns:r="http://schemas.openxmlformats.org/officeDocument/2006/relationships" xmlns:p="http://schemas.openxmlformats.org/presentationml/2006/main">
   <p:cSld>
     <p:spTree>
       <p:nvGrpSpPr>
@@ -6242,7 +6695,14 @@
         <p:cNvGrpSpPr/>
         <p:nvPr/>
       </p:nvGrpSpPr>
-      <p:grpSpPr/>
+      <p:grpSpPr>
+        <a:xfrm>
+          <a:off x="0" y="0"/>
+          <a:ext cx="0" cy="0"/>
+          <a:chOff x="0" y="0"/>
+          <a:chExt cx="0" cy="0"/>
+        </a:xfrm>
+      </p:grpSpPr>
       <p:sp>
         <p:nvSpPr>
           <p:cNvPr id="2" name="Title 1"/>
@@ -6351,7 +6811,7 @@
 </file>
 
 <file path=ppt/slides/slide40.xml><?xml version="1.0" encoding="utf-8"?>
-<p:sld xmlns:a="http://schemas.openxmlformats.org/drawingml/2006/main" xmlns:p="http://schemas.openxmlformats.org/presentationml/2006/main" xmlns:r="http://schemas.openxmlformats.org/officeDocument/2006/relationships">
+<p:sld xmlns:a="http://schemas.openxmlformats.org/drawingml/2006/main" xmlns:r="http://schemas.openxmlformats.org/officeDocument/2006/relationships" xmlns:p="http://schemas.openxmlformats.org/presentationml/2006/main">
   <p:cSld>
     <p:spTree>
       <p:nvGrpSpPr>
@@ -6359,7 +6819,14 @@
         <p:cNvGrpSpPr/>
         <p:nvPr/>
       </p:nvGrpSpPr>
-      <p:grpSpPr/>
+      <p:grpSpPr>
+        <a:xfrm>
+          <a:off x="0" y="0"/>
+          <a:ext cx="0" cy="0"/>
+          <a:chOff x="0" y="0"/>
+          <a:chExt cx="0" cy="0"/>
+        </a:xfrm>
+      </p:grpSpPr>
       <p:sp>
         <p:nvSpPr>
           <p:cNvPr id="2" name="Title 1"/>
@@ -6454,7 +6921,7 @@
 </file>
 
 <file path=ppt/slides/slide41.xml><?xml version="1.0" encoding="utf-8"?>
-<p:sld xmlns:a="http://schemas.openxmlformats.org/drawingml/2006/main" xmlns:p="http://schemas.openxmlformats.org/presentationml/2006/main" xmlns:r="http://schemas.openxmlformats.org/officeDocument/2006/relationships">
+<p:sld xmlns:a="http://schemas.openxmlformats.org/drawingml/2006/main" xmlns:r="http://schemas.openxmlformats.org/officeDocument/2006/relationships" xmlns:p="http://schemas.openxmlformats.org/presentationml/2006/main">
   <p:cSld>
     <p:spTree>
       <p:nvGrpSpPr>
@@ -6462,7 +6929,14 @@
         <p:cNvGrpSpPr/>
         <p:nvPr/>
       </p:nvGrpSpPr>
-      <p:grpSpPr/>
+      <p:grpSpPr>
+        <a:xfrm>
+          <a:off x="0" y="0"/>
+          <a:ext cx="0" cy="0"/>
+          <a:chOff x="0" y="0"/>
+          <a:chExt cx="0" cy="0"/>
+        </a:xfrm>
+      </p:grpSpPr>
       <p:sp>
         <p:nvSpPr>
           <p:cNvPr id="2" name="Subtitle 1"/>
@@ -6470,7 +6944,7 @@
             <a:spLocks noGrp="1"/>
           </p:cNvSpPr>
           <p:nvPr>
-            <p:ph type="subTitle" idx="1" sz="quarter"/>
+            <p:ph type="subTitle" sz="quarter" idx="1"/>
           </p:nvPr>
         </p:nvSpPr>
         <p:spPr/>
@@ -6483,18 +6957,9 @@
             </a:pPr>
             <a:r>
               <a:t>Denial of Service (DoS)
-</a:t>
-            </a:r>
-            <a:r>
-              <a:t>Input Validation
-</a:t>
-            </a:r>
-            <a:r>
-              <a:t>Mutability
-</a:t>
-            </a:r>
-            <a:r>
-              <a:t>Variable Scope
+Input Validation
+Mutability
+Variable Scope
 </a:t>
             </a:r>
             <a:r>
@@ -6504,12 +6969,9 @@
             </a:r>
             <a:r>
               <a:t>Exception Handling
+Role-Based Authentication
 </a:t>
             </a:r>
-            <a:r>
-              <a:t>Role-Based Authentication
-</a:t>
-            </a:r>
           </a:p>
         </p:txBody>
       </p:sp>
@@ -6525,13 +6987,15 @@
         </p:nvSpPr>
         <p:spPr/>
         <p:txBody>
-          <a:bodyPr/>
-          <a:lstStyle/>
-          <a:p>
-            <a:pPr>
-              <a:defRPr sz="2700"/>
-            </a:pPr>
-            <a:r>
+          <a:bodyPr wrap="square">
+            <a:noAutofit/>
+          </a:bodyPr>
+          <a:lstStyle/>
+          <a:p>
+            <a:r>
+              <a:rPr sz="4200" b="1" i="0">
+                <a:latin typeface="Times New Roman"/>
+              </a:rPr>
               <a:t>Thread Safety</a:t>
             </a:r>
           </a:p>
@@ -6579,7 +7043,7 @@
 </file>
 
 <file path=ppt/slides/slide42.xml><?xml version="1.0" encoding="utf-8"?>
-<p:sld xmlns:a="http://schemas.openxmlformats.org/drawingml/2006/main" xmlns:p="http://schemas.openxmlformats.org/presentationml/2006/main" xmlns:r="http://schemas.openxmlformats.org/officeDocument/2006/relationships">
+<p:sld xmlns:a="http://schemas.openxmlformats.org/drawingml/2006/main" xmlns:r="http://schemas.openxmlformats.org/officeDocument/2006/relationships" xmlns:p="http://schemas.openxmlformats.org/presentationml/2006/main">
   <p:cSld>
     <p:spTree>
       <p:nvGrpSpPr>
@@ -6587,7 +7051,14 @@
         <p:cNvGrpSpPr/>
         <p:nvPr/>
       </p:nvGrpSpPr>
-      <p:grpSpPr/>
+      <p:grpSpPr>
+        <a:xfrm>
+          <a:off x="0" y="0"/>
+          <a:ext cx="0" cy="0"/>
+          <a:chOff x="0" y="0"/>
+          <a:chExt cx="0" cy="0"/>
+        </a:xfrm>
+      </p:grpSpPr>
       <p:sp>
         <p:nvSpPr>
           <p:cNvPr id="2" name="Title 1"/>
@@ -6625,10 +7096,7 @@
           <a:lstStyle/>
           <a:p>
             <a:r>
-              <a:t> Many techniques provide secure threading</a:t>
-            </a:r>
-            <a:r>
-              <a:t> some of them are:</a:t>
+              <a:t> Many techniques provide secure threading some of them are:</a:t>
             </a:r>
           </a:p>
           <a:p>
@@ -6711,7 +7179,7 @@
 </file>
 
 <file path=ppt/slides/slide43.xml><?xml version="1.0" encoding="utf-8"?>
-<p:sld xmlns:a="http://schemas.openxmlformats.org/drawingml/2006/main" xmlns:p="http://schemas.openxmlformats.org/presentationml/2006/main" xmlns:r="http://schemas.openxmlformats.org/officeDocument/2006/relationships">
+<p:sld xmlns:a="http://schemas.openxmlformats.org/drawingml/2006/main" xmlns:r="http://schemas.openxmlformats.org/officeDocument/2006/relationships" xmlns:p="http://schemas.openxmlformats.org/presentationml/2006/main">
   <p:cSld>
     <p:spTree>
       <p:nvGrpSpPr>
@@ -6719,7 +7187,14 @@
         <p:cNvGrpSpPr/>
         <p:nvPr/>
       </p:nvGrpSpPr>
-      <p:grpSpPr/>
+      <p:grpSpPr>
+        <a:xfrm>
+          <a:off x="0" y="0"/>
+          <a:ext cx="0" cy="0"/>
+          <a:chOff x="0" y="0"/>
+          <a:chExt cx="0" cy="0"/>
+        </a:xfrm>
+      </p:grpSpPr>
       <p:sp>
         <p:nvSpPr>
           <p:cNvPr id="2" name="Title 1"/>
@@ -6779,10 +7254,18 @@
               <a:t> )</a:t>
             </a:r>
           </a:p>
-          <a:p/>
-          <a:p/>
-          <a:p/>
-          <a:p/>
+          <a:p>
+            <a:endParaRPr/>
+          </a:p>
+          <a:p>
+            <a:endParaRPr/>
+          </a:p>
+          <a:p>
+            <a:endParaRPr/>
+          </a:p>
+          <a:p>
+            <a:endParaRPr/>
+          </a:p>
         </p:txBody>
       </p:sp>
       <p:sp>
@@ -6851,7 +7334,7 @@
 </file>
 
 <file path=ppt/slides/slide44.xml><?xml version="1.0" encoding="utf-8"?>
-<p:sld xmlns:a="http://schemas.openxmlformats.org/drawingml/2006/main" xmlns:p="http://schemas.openxmlformats.org/presentationml/2006/main" xmlns:r="http://schemas.openxmlformats.org/officeDocument/2006/relationships">
+<p:sld xmlns:a="http://schemas.openxmlformats.org/drawingml/2006/main" xmlns:r="http://schemas.openxmlformats.org/officeDocument/2006/relationships" xmlns:p="http://schemas.openxmlformats.org/presentationml/2006/main">
   <p:cSld>
     <p:spTree>
       <p:nvGrpSpPr>
@@ -6859,7 +7342,14 @@
         <p:cNvGrpSpPr/>
         <p:nvPr/>
       </p:nvGrpSpPr>
-      <p:grpSpPr/>
+      <p:grpSpPr>
+        <a:xfrm>
+          <a:off x="0" y="0"/>
+          <a:ext cx="0" cy="0"/>
+          <a:chOff x="0" y="0"/>
+          <a:chExt cx="0" cy="0"/>
+        </a:xfrm>
+      </p:grpSpPr>
       <p:sp>
         <p:nvSpPr>
           <p:cNvPr id="2" name="Title 1"/>
@@ -6915,10 +7405,18 @@
               <a:t> Example:</a:t>
             </a:r>
           </a:p>
-          <a:p/>
-          <a:p/>
-          <a:p/>
-          <a:p/>
+          <a:p>
+            <a:endParaRPr/>
+          </a:p>
+          <a:p>
+            <a:endParaRPr/>
+          </a:p>
+          <a:p>
+            <a:endParaRPr/>
+          </a:p>
+          <a:p>
+            <a:endParaRPr/>
+          </a:p>
         </p:txBody>
       </p:sp>
       <p:sp>
@@ -6987,7 +7485,7 @@
 </file>
 
 <file path=ppt/slides/slide45.xml><?xml version="1.0" encoding="utf-8"?>
-<p:sld xmlns:a="http://schemas.openxmlformats.org/drawingml/2006/main" xmlns:p="http://schemas.openxmlformats.org/presentationml/2006/main" xmlns:r="http://schemas.openxmlformats.org/officeDocument/2006/relationships">
+<p:sld xmlns:a="http://schemas.openxmlformats.org/drawingml/2006/main" xmlns:r="http://schemas.openxmlformats.org/officeDocument/2006/relationships" xmlns:p="http://schemas.openxmlformats.org/presentationml/2006/main">
   <p:cSld>
     <p:spTree>
       <p:nvGrpSpPr>
@@ -6995,7 +7493,14 @@
         <p:cNvGrpSpPr/>
         <p:nvPr/>
       </p:nvGrpSpPr>
-      <p:grpSpPr/>
+      <p:grpSpPr>
+        <a:xfrm>
+          <a:off x="0" y="0"/>
+          <a:ext cx="0" cy="0"/>
+          <a:chOff x="0" y="0"/>
+          <a:chExt cx="0" cy="0"/>
+        </a:xfrm>
+      </p:grpSpPr>
       <p:sp>
         <p:nvSpPr>
           <p:cNvPr id="2" name="Title 1"/>
@@ -7055,16 +7560,26 @@
               <a:t> framework:</a:t>
             </a:r>
           </a:p>
-          <a:p/>
+          <a:p>
+            <a:endParaRPr/>
+          </a:p>
           <a:p>
             <a:r>
               <a:t> And receive a message:</a:t>
             </a:r>
           </a:p>
-          <a:p/>
-          <a:p/>
-          <a:p/>
-          <a:p/>
+          <a:p>
+            <a:endParaRPr/>
+          </a:p>
+          <a:p>
+            <a:endParaRPr/>
+          </a:p>
+          <a:p>
+            <a:endParaRPr/>
+          </a:p>
+          <a:p>
+            <a:endParaRPr/>
+          </a:p>
         </p:txBody>
       </p:sp>
       <p:sp>
@@ -7157,7 +7672,7 @@
 </file>
 
 <file path=ppt/slides/slide46.xml><?xml version="1.0" encoding="utf-8"?>
-<p:sld xmlns:a="http://schemas.openxmlformats.org/drawingml/2006/main" xmlns:p="http://schemas.openxmlformats.org/presentationml/2006/main" xmlns:r="http://schemas.openxmlformats.org/officeDocument/2006/relationships">
+<p:sld xmlns:a="http://schemas.openxmlformats.org/drawingml/2006/main" xmlns:r="http://schemas.openxmlformats.org/officeDocument/2006/relationships" xmlns:p="http://schemas.openxmlformats.org/presentationml/2006/main">
   <p:cSld>
     <p:spTree>
       <p:nvGrpSpPr>
@@ -7165,7 +7680,14 @@
         <p:cNvGrpSpPr/>
         <p:nvPr/>
       </p:nvGrpSpPr>
-      <p:grpSpPr/>
+      <p:grpSpPr>
+        <a:xfrm>
+          <a:off x="0" y="0"/>
+          <a:ext cx="0" cy="0"/>
+          <a:chOff x="0" y="0"/>
+          <a:chExt cx="0" cy="0"/>
+        </a:xfrm>
+      </p:grpSpPr>
       <p:sp>
         <p:nvSpPr>
           <p:cNvPr id="2" name="Title 1"/>
@@ -7216,11 +7738,21 @@
               <a:t> Example:</a:t>
             </a:r>
           </a:p>
-          <a:p/>
-          <a:p/>
-          <a:p/>
-          <a:p/>
-          <a:p/>
+          <a:p>
+            <a:endParaRPr/>
+          </a:p>
+          <a:p>
+            <a:endParaRPr/>
+          </a:p>
+          <a:p>
+            <a:endParaRPr/>
+          </a:p>
+          <a:p>
+            <a:endParaRPr/>
+          </a:p>
+          <a:p>
+            <a:endParaRPr/>
+          </a:p>
         </p:txBody>
       </p:sp>
       <p:sp>
@@ -7289,7 +7821,7 @@
 </file>
 
 <file path=ppt/slides/slide47.xml><?xml version="1.0" encoding="utf-8"?>
-<p:sld xmlns:a="http://schemas.openxmlformats.org/drawingml/2006/main" xmlns:p="http://schemas.openxmlformats.org/presentationml/2006/main" xmlns:r="http://schemas.openxmlformats.org/officeDocument/2006/relationships">
+<p:sld xmlns:a="http://schemas.openxmlformats.org/drawingml/2006/main" xmlns:r="http://schemas.openxmlformats.org/officeDocument/2006/relationships" xmlns:p="http://schemas.openxmlformats.org/presentationml/2006/main">
   <p:cSld>
     <p:spTree>
       <p:nvGrpSpPr>
@@ -7297,7 +7829,14 @@
         <p:cNvGrpSpPr/>
         <p:nvPr/>
       </p:nvGrpSpPr>
-      <p:grpSpPr/>
+      <p:grpSpPr>
+        <a:xfrm>
+          <a:off x="0" y="0"/>
+          <a:ext cx="0" cy="0"/>
+          <a:chOff x="0" y="0"/>
+          <a:chExt cx="0" cy="0"/>
+        </a:xfrm>
+      </p:grpSpPr>
       <p:sp>
         <p:nvSpPr>
           <p:cNvPr id="2" name="Title 1"/>
@@ -7343,8 +7882,145 @@
               <a:t> To be sure two threads won't execute this section simultaneously</a:t>
             </a:r>
           </a:p>
-          <a:p/>
-          <a:p/>
+          <a:p>
+            <a:endParaRPr/>
+          </a:p>
+          <a:p>
+            <a:endParaRPr/>
+          </a:p>
+        </p:txBody>
+      </p:sp>
+      <p:sp>
+        <p:nvSpPr>
+          <p:cNvPr id="4" name="TextBox 3"/>
+          <p:cNvSpPr txBox="1"/>
+          <p:nvPr/>
+        </p:nvSpPr>
+        <p:spPr>
+          <a:xfrm>
+            <a:off x="704088" y="8065008"/>
+            <a:ext cx="8915400" cy="228600"/>
+          </a:xfrm>
+          <a:prstGeom prst="rect">
+            <a:avLst/>
+          </a:prstGeom>
+          <a:noFill/>
+        </p:spPr>
+        <p:txBody>
+          <a:bodyPr wrap="none">
+            <a:spAutoFit/>
+          </a:bodyPr>
+          <a:lstStyle/>
+          <a:p>
+            <a:r>
+              <a:rPr sz="800">
+                <a:solidFill>
+                  <a:srgbClr val="000000"/>
+                </a:solidFill>
+              </a:rPr>
+              <a:t>Copyright © 2021 by Elephant Scale, All Rights Reserved</a:t>
+            </a:r>
+          </a:p>
+        </p:txBody>
+      </p:sp>
+      <p:pic>
+        <p:nvPicPr>
+          <p:cNvPr id="5" name="Picture 4" descr="1.png"/>
+          <p:cNvPicPr>
+            <a:picLocks noChangeAspect="1"/>
+          </p:cNvPicPr>
+          <p:nvPr/>
+        </p:nvPicPr>
+        <p:blipFill>
+          <a:blip r:embed="rId3"/>
+          <a:stretch>
+            <a:fillRect/>
+          </a:stretch>
+        </p:blipFill>
+        <p:spPr>
+          <a:xfrm>
+            <a:off x="708850" y="2853530"/>
+            <a:ext cx="6873050" cy="3381977"/>
+          </a:xfrm>
+          <a:prstGeom prst="rect">
+            <a:avLst/>
+          </a:prstGeom>
+        </p:spPr>
+      </p:pic>
+    </p:spTree>
+  </p:cSld>
+  <p:clrMapOvr>
+    <a:masterClrMapping/>
+  </p:clrMapOvr>
+</p:sld>
+</file>
+
+<file path=ppt/slides/slide48.xml><?xml version="1.0" encoding="utf-8"?>
+<p:sld xmlns:a="http://schemas.openxmlformats.org/drawingml/2006/main" xmlns:r="http://schemas.openxmlformats.org/officeDocument/2006/relationships" xmlns:p="http://schemas.openxmlformats.org/presentationml/2006/main">
+  <p:cSld>
+    <p:spTree>
+      <p:nvGrpSpPr>
+        <p:cNvPr id="1" name=""/>
+        <p:cNvGrpSpPr/>
+        <p:nvPr/>
+      </p:nvGrpSpPr>
+      <p:grpSpPr>
+        <a:xfrm>
+          <a:off x="0" y="0"/>
+          <a:ext cx="0" cy="0"/>
+          <a:chOff x="0" y="0"/>
+          <a:chExt cx="0" cy="0"/>
+        </a:xfrm>
+      </p:grpSpPr>
+      <p:sp>
+        <p:nvSpPr>
+          <p:cNvPr id="2" name="Title 1"/>
+          <p:cNvSpPr>
+            <a:spLocks noGrp="1"/>
+          </p:cNvSpPr>
+          <p:nvPr>
+            <p:ph type="title"/>
+          </p:nvPr>
+        </p:nvSpPr>
+        <p:spPr/>
+        <p:txBody>
+          <a:bodyPr/>
+          <a:lstStyle/>
+          <a:p>
+            <a:r>
+              <a:t>Volatile Fields</a:t>
+            </a:r>
+          </a:p>
+        </p:txBody>
+      </p:sp>
+      <p:sp>
+        <p:nvSpPr>
+          <p:cNvPr id="3" name="Content Placeholder 2"/>
+          <p:cNvSpPr>
+            <a:spLocks noGrp="1"/>
+          </p:cNvSpPr>
+          <p:nvPr>
+            <p:ph idx="1"/>
+          </p:nvPr>
+        </p:nvSpPr>
+        <p:spPr/>
+        <p:txBody>
+          <a:bodyPr/>
+          <a:lstStyle/>
+          <a:p>
+            <a:r>
+              <a:t> By declaration of a variable you tell the JVM and the compiler to return the latest written value</a:t>
+            </a:r>
+          </a:p>
+          <a:p>
+            <a:endParaRPr/>
+          </a:p>
+          <a:p>
+            <a:endParaRPr/>
+          </a:p>
+          <a:p>
+            <a:endParaRPr/>
+          </a:p>
         </p:txBody>
       </p:sp>
       <p:sp>
@@ -7396,128 +8072,8 @@
         </p:blipFill>
         <p:spPr>
           <a:xfrm>
-            <a:off x="2752344" y="2578608"/>
-            <a:ext cx="3456432" cy="1700784"/>
-          </a:xfrm>
-          <a:prstGeom prst="rect">
-            <a:avLst/>
-          </a:prstGeom>
-        </p:spPr>
-      </p:pic>
-    </p:spTree>
-  </p:cSld>
-  <p:clrMapOvr>
-    <a:masterClrMapping/>
-  </p:clrMapOvr>
-</p:sld>
-</file>
-
-<file path=ppt/slides/slide48.xml><?xml version="1.0" encoding="utf-8"?>
-<p:sld xmlns:a="http://schemas.openxmlformats.org/drawingml/2006/main" xmlns:p="http://schemas.openxmlformats.org/presentationml/2006/main" xmlns:r="http://schemas.openxmlformats.org/officeDocument/2006/relationships">
-  <p:cSld>
-    <p:spTree>
-      <p:nvGrpSpPr>
-        <p:cNvPr id="1" name=""/>
-        <p:cNvGrpSpPr/>
-        <p:nvPr/>
-      </p:nvGrpSpPr>
-      <p:grpSpPr/>
-      <p:sp>
-        <p:nvSpPr>
-          <p:cNvPr id="2" name="Title 1"/>
-          <p:cNvSpPr>
-            <a:spLocks noGrp="1"/>
-          </p:cNvSpPr>
-          <p:nvPr>
-            <p:ph type="title"/>
-          </p:nvPr>
-        </p:nvSpPr>
-        <p:spPr/>
-        <p:txBody>
-          <a:bodyPr/>
-          <a:lstStyle/>
-          <a:p>
-            <a:r>
-              <a:t>Volatile Fields</a:t>
-            </a:r>
-          </a:p>
-        </p:txBody>
-      </p:sp>
-      <p:sp>
-        <p:nvSpPr>
-          <p:cNvPr id="3" name="Content Placeholder 2"/>
-          <p:cNvSpPr>
-            <a:spLocks noGrp="1"/>
-          </p:cNvSpPr>
-          <p:nvPr>
-            <p:ph idx="1"/>
-          </p:nvPr>
-        </p:nvSpPr>
-        <p:spPr/>
-        <p:txBody>
-          <a:bodyPr/>
-          <a:lstStyle/>
-          <a:p>
-            <a:r>
-              <a:t> By declaration of a variable you tell the JVM and the compiler to return the latest written value</a:t>
-            </a:r>
-          </a:p>
-          <a:p/>
-          <a:p/>
-          <a:p/>
-        </p:txBody>
-      </p:sp>
-      <p:sp>
-        <p:nvSpPr>
-          <p:cNvPr id="4" name="TextBox 3"/>
-          <p:cNvSpPr txBox="1"/>
-          <p:nvPr/>
-        </p:nvSpPr>
-        <p:spPr>
-          <a:xfrm>
-            <a:off x="704088" y="8065008"/>
-            <a:ext cx="8915400" cy="228600"/>
-          </a:xfrm>
-          <a:prstGeom prst="rect">
-            <a:avLst/>
-          </a:prstGeom>
-          <a:noFill/>
-        </p:spPr>
-        <p:txBody>
-          <a:bodyPr wrap="none">
-            <a:spAutoFit/>
-          </a:bodyPr>
-          <a:lstStyle/>
-          <a:p>
-            <a:r>
-              <a:rPr sz="800">
-                <a:solidFill>
-                  <a:srgbClr val="000000"/>
-                </a:solidFill>
-              </a:rPr>
-              <a:t>Copyright © 2021 by Elephant Scale, All Rights Reserved</a:t>
-            </a:r>
-          </a:p>
-        </p:txBody>
-      </p:sp>
-      <p:pic>
-        <p:nvPicPr>
-          <p:cNvPr id="5" name="Picture 4" descr="1.png"/>
-          <p:cNvPicPr>
-            <a:picLocks noChangeAspect="1"/>
-          </p:cNvPicPr>
-          <p:nvPr/>
-        </p:nvPicPr>
-        <p:blipFill>
-          <a:blip r:embed="rId2"/>
-          <a:stretch>
-            <a:fillRect/>
-          </a:stretch>
-        </p:blipFill>
-        <p:spPr>
-          <a:xfrm>
-            <a:off x="1106424" y="2459736"/>
-            <a:ext cx="6803136" cy="1947672"/>
+            <a:off x="704087" y="2438509"/>
+            <a:ext cx="8369899" cy="2396221"/>
           </a:xfrm>
           <a:prstGeom prst="rect">
             <a:avLst/>
@@ -7533,7 +8089,7 @@
 </file>
 
 <file path=ppt/slides/slide49.xml><?xml version="1.0" encoding="utf-8"?>
-<p:sld xmlns:a="http://schemas.openxmlformats.org/drawingml/2006/main" xmlns:p="http://schemas.openxmlformats.org/presentationml/2006/main" xmlns:r="http://schemas.openxmlformats.org/officeDocument/2006/relationships">
+<p:sld xmlns:a="http://schemas.openxmlformats.org/drawingml/2006/main" xmlns:r="http://schemas.openxmlformats.org/officeDocument/2006/relationships" xmlns:p="http://schemas.openxmlformats.org/presentationml/2006/main">
   <p:cSld>
     <p:spTree>
       <p:nvGrpSpPr>
@@ -7541,7 +8097,14 @@
         <p:cNvGrpSpPr/>
         <p:nvPr/>
       </p:nvGrpSpPr>
-      <p:grpSpPr/>
+      <p:grpSpPr>
+        <a:xfrm>
+          <a:off x="0" y="0"/>
+          <a:ext cx="0" cy="0"/>
+          <a:chOff x="0" y="0"/>
+          <a:chExt cx="0" cy="0"/>
+        </a:xfrm>
+      </p:grpSpPr>
       <p:sp>
         <p:nvSpPr>
           <p:cNvPr id="2" name="Title 1"/>
@@ -7604,6 +8167,12 @@
             <a:pPr lvl="1"/>
             <a:r>
               <a:t> Instructions: labs/thread-safety-labs/labinfo/thread_safe.md &amp; thread_unsafe.md</a:t>
+            </a:r>
+          </a:p>
+          <a:p>
+            <a:pPr lvl="1"/>
+            <a:r>
+              <a:t> https://github.com/elephantscale/secure-coding-labs/tree/main/thread-safety-labs/labinfo</a:t>
             </a:r>
           </a:p>
         </p:txBody>
@@ -7650,7 +8219,7 @@
 </file>
 
 <file path=ppt/slides/slide5.xml><?xml version="1.0" encoding="utf-8"?>
-<p:sld xmlns:a="http://schemas.openxmlformats.org/drawingml/2006/main" xmlns:p="http://schemas.openxmlformats.org/presentationml/2006/main" xmlns:r="http://schemas.openxmlformats.org/officeDocument/2006/relationships">
+<p:sld xmlns:a="http://schemas.openxmlformats.org/drawingml/2006/main" xmlns:r="http://schemas.openxmlformats.org/officeDocument/2006/relationships" xmlns:p="http://schemas.openxmlformats.org/presentationml/2006/main">
   <p:cSld>
     <p:spTree>
       <p:nvGrpSpPr>
@@ -7658,7 +8227,14 @@
         <p:cNvGrpSpPr/>
         <p:nvPr/>
       </p:nvGrpSpPr>
-      <p:grpSpPr/>
+      <p:grpSpPr>
+        <a:xfrm>
+          <a:off x="0" y="0"/>
+          <a:ext cx="0" cy="0"/>
+          <a:chOff x="0" y="0"/>
+          <a:chExt cx="0" cy="0"/>
+        </a:xfrm>
+      </p:grpSpPr>
       <p:sp>
         <p:nvSpPr>
           <p:cNvPr id="2" name="Title 1"/>
@@ -7763,7 +8339,7 @@
 </file>
 
 <file path=ppt/slides/slide50.xml><?xml version="1.0" encoding="utf-8"?>
-<p:sld xmlns:a="http://schemas.openxmlformats.org/drawingml/2006/main" xmlns:p="http://schemas.openxmlformats.org/presentationml/2006/main" xmlns:r="http://schemas.openxmlformats.org/officeDocument/2006/relationships">
+<p:sld xmlns:a="http://schemas.openxmlformats.org/drawingml/2006/main" xmlns:r="http://schemas.openxmlformats.org/officeDocument/2006/relationships" xmlns:p="http://schemas.openxmlformats.org/presentationml/2006/main">
   <p:cSld>
     <p:spTree>
       <p:nvGrpSpPr>
@@ -7771,7 +8347,14 @@
         <p:cNvGrpSpPr/>
         <p:nvPr/>
       </p:nvGrpSpPr>
-      <p:grpSpPr/>
+      <p:grpSpPr>
+        <a:xfrm>
+          <a:off x="0" y="0"/>
+          <a:ext cx="0" cy="0"/>
+          <a:chOff x="0" y="0"/>
+          <a:chExt cx="0" cy="0"/>
+        </a:xfrm>
+      </p:grpSpPr>
       <p:sp>
         <p:nvSpPr>
           <p:cNvPr id="2" name="Subtitle 1"/>
@@ -7779,7 +8362,7 @@
             <a:spLocks noGrp="1"/>
           </p:cNvSpPr>
           <p:nvPr>
-            <p:ph type="subTitle" idx="1" sz="quarter"/>
+            <p:ph type="subTitle" sz="quarter" idx="1"/>
           </p:nvPr>
         </p:nvSpPr>
         <p:spPr/>
@@ -7792,22 +8375,10 @@
             </a:pPr>
             <a:r>
               <a:t>Denial of Service (DoS)
-</a:t>
-            </a:r>
-            <a:r>
-              <a:t>Input Validation
-</a:t>
-            </a:r>
-            <a:r>
-              <a:t>Mutability
-</a:t>
-            </a:r>
-            <a:r>
-              <a:t>Variable Scope
-</a:t>
-            </a:r>
-            <a:r>
-              <a:t>Thread Safety
+Input Validation
+Mutability
+Variable Scope
+Thread Safety
 </a:t>
             </a:r>
             <a:r>
@@ -7834,13 +8405,15 @@
         </p:nvSpPr>
         <p:spPr/>
         <p:txBody>
-          <a:bodyPr/>
-          <a:lstStyle/>
-          <a:p>
-            <a:pPr>
-              <a:defRPr sz="2700"/>
-            </a:pPr>
-            <a:r>
+          <a:bodyPr wrap="square">
+            <a:noAutofit/>
+          </a:bodyPr>
+          <a:lstStyle/>
+          <a:p>
+            <a:r>
+              <a:rPr sz="4200" b="1" i="0">
+                <a:latin typeface="Times New Roman"/>
+              </a:rPr>
               <a:t>Exception Handling</a:t>
             </a:r>
           </a:p>
@@ -7888,7 +8461,7 @@
 </file>
 
 <file path=ppt/slides/slide51.xml><?xml version="1.0" encoding="utf-8"?>
-<p:sld xmlns:a="http://schemas.openxmlformats.org/drawingml/2006/main" xmlns:p="http://schemas.openxmlformats.org/presentationml/2006/main" xmlns:r="http://schemas.openxmlformats.org/officeDocument/2006/relationships">
+<p:sld xmlns:a="http://schemas.openxmlformats.org/drawingml/2006/main" xmlns:r="http://schemas.openxmlformats.org/officeDocument/2006/relationships" xmlns:p="http://schemas.openxmlformats.org/presentationml/2006/main">
   <p:cSld>
     <p:spTree>
       <p:nvGrpSpPr>
@@ -7896,7 +8469,14 @@
         <p:cNvGrpSpPr/>
         <p:nvPr/>
       </p:nvGrpSpPr>
-      <p:grpSpPr/>
+      <p:grpSpPr>
+        <a:xfrm>
+          <a:off x="0" y="0"/>
+          <a:ext cx="0" cy="0"/>
+          <a:chOff x="0" y="0"/>
+          <a:chExt cx="0" cy="0"/>
+        </a:xfrm>
+      </p:grpSpPr>
       <p:sp>
         <p:nvSpPr>
           <p:cNvPr id="2" name="Title 1"/>
@@ -7947,11 +8527,21 @@
               <a:t> An object is created containing information about the error</a:t>
             </a:r>
           </a:p>
-          <a:p/>
-          <a:p/>
-          <a:p/>
-          <a:p/>
-          <a:p/>
+          <a:p>
+            <a:endParaRPr/>
+          </a:p>
+          <a:p>
+            <a:endParaRPr/>
+          </a:p>
+          <a:p>
+            <a:endParaRPr/>
+          </a:p>
+          <a:p>
+            <a:endParaRPr/>
+          </a:p>
+          <a:p>
+            <a:endParaRPr/>
+          </a:p>
         </p:txBody>
       </p:sp>
       <p:sp>
@@ -8004,7 +8594,7 @@
         <p:spPr>
           <a:xfrm>
             <a:off x="704088" y="3108960"/>
-            <a:ext cx="3914775" cy="1838325"/>
+            <a:ext cx="7411212" cy="3480204"/>
           </a:xfrm>
           <a:prstGeom prst="rect">
             <a:avLst/>
@@ -8020,7 +8610,7 @@
 </file>
 
 <file path=ppt/slides/slide52.xml><?xml version="1.0" encoding="utf-8"?>
-<p:sld xmlns:a="http://schemas.openxmlformats.org/drawingml/2006/main" xmlns:p="http://schemas.openxmlformats.org/presentationml/2006/main" xmlns:r="http://schemas.openxmlformats.org/officeDocument/2006/relationships">
+<p:sld xmlns:a="http://schemas.openxmlformats.org/drawingml/2006/main" xmlns:r="http://schemas.openxmlformats.org/officeDocument/2006/relationships" xmlns:p="http://schemas.openxmlformats.org/presentationml/2006/main">
   <p:cSld>
     <p:spTree>
       <p:nvGrpSpPr>
@@ -8028,7 +8618,14 @@
         <p:cNvGrpSpPr/>
         <p:nvPr/>
       </p:nvGrpSpPr>
-      <p:grpSpPr/>
+      <p:grpSpPr>
+        <a:xfrm>
+          <a:off x="0" y="0"/>
+          <a:ext cx="0" cy="0"/>
+          <a:chOff x="0" y="0"/>
+          <a:chExt cx="0" cy="0"/>
+        </a:xfrm>
+      </p:grpSpPr>
       <p:sp>
         <p:nvSpPr>
           <p:cNvPr id="2" name="Title 1"/>
@@ -8150,7 +8747,7 @@
 </file>
 
 <file path=ppt/slides/slide53.xml><?xml version="1.0" encoding="utf-8"?>
-<p:sld xmlns:a="http://schemas.openxmlformats.org/drawingml/2006/main" xmlns:p="http://schemas.openxmlformats.org/presentationml/2006/main" xmlns:r="http://schemas.openxmlformats.org/officeDocument/2006/relationships">
+<p:sld xmlns:a="http://schemas.openxmlformats.org/drawingml/2006/main" xmlns:r="http://schemas.openxmlformats.org/officeDocument/2006/relationships" xmlns:p="http://schemas.openxmlformats.org/presentationml/2006/main">
   <p:cSld>
     <p:spTree>
       <p:nvGrpSpPr>
@@ -8158,7 +8755,14 @@
         <p:cNvGrpSpPr/>
         <p:nvPr/>
       </p:nvGrpSpPr>
-      <p:grpSpPr/>
+      <p:grpSpPr>
+        <a:xfrm>
+          <a:off x="0" y="0"/>
+          <a:ext cx="0" cy="0"/>
+          <a:chOff x="0" y="0"/>
+          <a:chExt cx="0" cy="0"/>
+        </a:xfrm>
+      </p:grpSpPr>
       <p:sp>
         <p:nvSpPr>
           <p:cNvPr id="2" name="Title 1"/>
@@ -8208,11 +8812,21 @@
               <a:t> statement:</a:t>
             </a:r>
           </a:p>
-          <a:p/>
-          <a:p/>
-          <a:p/>
-          <a:p/>
-          <a:p/>
+          <a:p>
+            <a:endParaRPr/>
+          </a:p>
+          <a:p>
+            <a:endParaRPr/>
+          </a:p>
+          <a:p>
+            <a:endParaRPr/>
+          </a:p>
+          <a:p>
+            <a:endParaRPr/>
+          </a:p>
+          <a:p>
+            <a:endParaRPr/>
+          </a:p>
         </p:txBody>
       </p:sp>
       <p:sp>
@@ -8264,8 +8878,8 @@
         </p:blipFill>
         <p:spPr>
           <a:xfrm>
-            <a:off x="0" y="1353312"/>
-            <a:ext cx="6654800" cy="3454400"/>
+            <a:off x="-19050" y="1939131"/>
+            <a:ext cx="9156700" cy="4735024"/>
           </a:xfrm>
           <a:prstGeom prst="rect">
             <a:avLst/>
@@ -8281,7 +8895,7 @@
 </file>
 
 <file path=ppt/slides/slide54.xml><?xml version="1.0" encoding="utf-8"?>
-<p:sld xmlns:a="http://schemas.openxmlformats.org/drawingml/2006/main" xmlns:p="http://schemas.openxmlformats.org/presentationml/2006/main" xmlns:r="http://schemas.openxmlformats.org/officeDocument/2006/relationships">
+<p:sld xmlns:a="http://schemas.openxmlformats.org/drawingml/2006/main" xmlns:r="http://schemas.openxmlformats.org/officeDocument/2006/relationships" xmlns:p="http://schemas.openxmlformats.org/presentationml/2006/main">
   <p:cSld>
     <p:spTree>
       <p:nvGrpSpPr>
@@ -8289,7 +8903,14 @@
         <p:cNvGrpSpPr/>
         <p:nvPr/>
       </p:nvGrpSpPr>
-      <p:grpSpPr/>
+      <p:grpSpPr>
+        <a:xfrm>
+          <a:off x="0" y="0"/>
+          <a:ext cx="0" cy="0"/>
+          <a:chOff x="0" y="0"/>
+          <a:chExt cx="0" cy="0"/>
+        </a:xfrm>
+      </p:grpSpPr>
       <p:sp>
         <p:nvSpPr>
           <p:cNvPr id="2" name="Title 1"/>
@@ -8335,10 +8956,18 @@
               <a:t> Example:</a:t>
             </a:r>
           </a:p>
-          <a:p/>
-          <a:p/>
-          <a:p/>
-          <a:p/>
+          <a:p>
+            <a:endParaRPr/>
+          </a:p>
+          <a:p>
+            <a:endParaRPr/>
+          </a:p>
+          <a:p>
+            <a:endParaRPr/>
+          </a:p>
+          <a:p>
+            <a:endParaRPr/>
+          </a:p>
         </p:txBody>
       </p:sp>
       <p:sp>
@@ -8407,7 +9036,7 @@
 </file>
 
 <file path=ppt/slides/slide55.xml><?xml version="1.0" encoding="utf-8"?>
-<p:sld xmlns:a="http://schemas.openxmlformats.org/drawingml/2006/main" xmlns:p="http://schemas.openxmlformats.org/presentationml/2006/main" xmlns:r="http://schemas.openxmlformats.org/officeDocument/2006/relationships">
+<p:sld xmlns:a="http://schemas.openxmlformats.org/drawingml/2006/main" xmlns:r="http://schemas.openxmlformats.org/officeDocument/2006/relationships" xmlns:p="http://schemas.openxmlformats.org/presentationml/2006/main">
   <p:cSld>
     <p:spTree>
       <p:nvGrpSpPr>
@@ -8415,7 +9044,14 @@
         <p:cNvGrpSpPr/>
         <p:nvPr/>
       </p:nvGrpSpPr>
-      <p:grpSpPr/>
+      <p:grpSpPr>
+        <a:xfrm>
+          <a:off x="0" y="0"/>
+          <a:ext cx="0" cy="0"/>
+          <a:chOff x="0" y="0"/>
+          <a:chExt cx="0" cy="0"/>
+        </a:xfrm>
+      </p:grpSpPr>
       <p:sp>
         <p:nvSpPr>
           <p:cNvPr id="2" name="Title 1"/>
@@ -8510,7 +9146,7 @@
 </file>
 
 <file path=ppt/slides/slide56.xml><?xml version="1.0" encoding="utf-8"?>
-<p:sld xmlns:a="http://schemas.openxmlformats.org/drawingml/2006/main" xmlns:p="http://schemas.openxmlformats.org/presentationml/2006/main" xmlns:r="http://schemas.openxmlformats.org/officeDocument/2006/relationships">
+<p:sld xmlns:a="http://schemas.openxmlformats.org/drawingml/2006/main" xmlns:r="http://schemas.openxmlformats.org/officeDocument/2006/relationships" xmlns:p="http://schemas.openxmlformats.org/presentationml/2006/main">
   <p:cSld>
     <p:spTree>
       <p:nvGrpSpPr>
@@ -8518,7 +9154,14 @@
         <p:cNvGrpSpPr/>
         <p:nvPr/>
       </p:nvGrpSpPr>
-      <p:grpSpPr/>
+      <p:grpSpPr>
+        <a:xfrm>
+          <a:off x="0" y="0"/>
+          <a:ext cx="0" cy="0"/>
+          <a:chOff x="0" y="0"/>
+          <a:chExt cx="0" cy="0"/>
+        </a:xfrm>
+      </p:grpSpPr>
       <p:sp>
         <p:nvSpPr>
           <p:cNvPr id="2" name="Subtitle 1"/>
@@ -8526,7 +9169,7 @@
             <a:spLocks noGrp="1"/>
           </p:cNvSpPr>
           <p:nvPr>
-            <p:ph type="subTitle" idx="1" sz="quarter"/>
+            <p:ph type="subTitle" sz="quarter" idx="1"/>
           </p:nvPr>
         </p:nvSpPr>
         <p:spPr/>
@@ -8539,26 +9182,11 @@
             </a:pPr>
             <a:r>
               <a:t>Denial of Service (DoS)
-</a:t>
-            </a:r>
-            <a:r>
-              <a:t>Input Validation
-</a:t>
-            </a:r>
-            <a:r>
-              <a:t>Mutability
-</a:t>
-            </a:r>
-            <a:r>
-              <a:t>Variable Scope
-</a:t>
-            </a:r>
-            <a:r>
-              <a:t>Thread Safety
-</a:t>
-            </a:r>
-            <a:r>
-              <a:t>Exception Handling
+Input Validation
+Mutability
+Variable Scope
+Thread Safety
+Exception Handling
 </a:t>
             </a:r>
             <a:r>
@@ -8581,13 +9209,15 @@
         </p:nvSpPr>
         <p:spPr/>
         <p:txBody>
-          <a:bodyPr/>
-          <a:lstStyle/>
-          <a:p>
-            <a:pPr>
-              <a:defRPr sz="2700"/>
-            </a:pPr>
-            <a:r>
+          <a:bodyPr wrap="square">
+            <a:noAutofit/>
+          </a:bodyPr>
+          <a:lstStyle/>
+          <a:p>
+            <a:r>
+              <a:rPr sz="4200" b="1" i="0">
+                <a:latin typeface="Times New Roman"/>
+              </a:rPr>
               <a:t>Role-Based Authentication</a:t>
             </a:r>
           </a:p>
@@ -8635,7 +9265,7 @@
 </file>
 
 <file path=ppt/slides/slide57.xml><?xml version="1.0" encoding="utf-8"?>
-<p:sld xmlns:a="http://schemas.openxmlformats.org/drawingml/2006/main" xmlns:p="http://schemas.openxmlformats.org/presentationml/2006/main" xmlns:r="http://schemas.openxmlformats.org/officeDocument/2006/relationships">
+<p:sld xmlns:a="http://schemas.openxmlformats.org/drawingml/2006/main" xmlns:r="http://schemas.openxmlformats.org/officeDocument/2006/relationships" xmlns:p="http://schemas.openxmlformats.org/presentationml/2006/main">
   <p:cSld>
     <p:spTree>
       <p:nvGrpSpPr>
@@ -8643,7 +9273,14 @@
         <p:cNvGrpSpPr/>
         <p:nvPr/>
       </p:nvGrpSpPr>
-      <p:grpSpPr/>
+      <p:grpSpPr>
+        <a:xfrm>
+          <a:off x="0" y="0"/>
+          <a:ext cx="0" cy="0"/>
+          <a:chOff x="0" y="0"/>
+          <a:chExt cx="0" cy="0"/>
+        </a:xfrm>
+      </p:grpSpPr>
       <p:sp>
         <p:nvSpPr>
           <p:cNvPr id="2" name="Title 1"/>
@@ -8753,7 +9390,7 @@
 </file>
 
 <file path=ppt/slides/slide58.xml><?xml version="1.0" encoding="utf-8"?>
-<p:sld xmlns:a="http://schemas.openxmlformats.org/drawingml/2006/main" xmlns:p="http://schemas.openxmlformats.org/presentationml/2006/main" xmlns:r="http://schemas.openxmlformats.org/officeDocument/2006/relationships">
+<p:sld xmlns:a="http://schemas.openxmlformats.org/drawingml/2006/main" xmlns:r="http://schemas.openxmlformats.org/officeDocument/2006/relationships" xmlns:p="http://schemas.openxmlformats.org/presentationml/2006/main">
   <p:cSld>
     <p:spTree>
       <p:nvGrpSpPr>
@@ -8761,7 +9398,14 @@
         <p:cNvGrpSpPr/>
         <p:nvPr/>
       </p:nvGrpSpPr>
-      <p:grpSpPr/>
+      <p:grpSpPr>
+        <a:xfrm>
+          <a:off x="0" y="0"/>
+          <a:ext cx="0" cy="0"/>
+          <a:chOff x="0" y="0"/>
+          <a:chExt cx="0" cy="0"/>
+        </a:xfrm>
+      </p:grpSpPr>
       <p:sp>
         <p:nvSpPr>
           <p:cNvPr id="2" name="Title 1"/>
@@ -8870,7 +9514,7 @@
 </file>
 
 <file path=ppt/slides/slide6.xml><?xml version="1.0" encoding="utf-8"?>
-<p:sld xmlns:a="http://schemas.openxmlformats.org/drawingml/2006/main" xmlns:p="http://schemas.openxmlformats.org/presentationml/2006/main" xmlns:r="http://schemas.openxmlformats.org/officeDocument/2006/relationships">
+<p:sld xmlns:a="http://schemas.openxmlformats.org/drawingml/2006/main" xmlns:r="http://schemas.openxmlformats.org/officeDocument/2006/relationships" xmlns:p="http://schemas.openxmlformats.org/presentationml/2006/main">
   <p:cSld>
     <p:spTree>
       <p:nvGrpSpPr>
@@ -8878,7 +9522,14 @@
         <p:cNvGrpSpPr/>
         <p:nvPr/>
       </p:nvGrpSpPr>
-      <p:grpSpPr/>
+      <p:grpSpPr>
+        <a:xfrm>
+          <a:off x="0" y="0"/>
+          <a:ext cx="0" cy="0"/>
+          <a:chOff x="0" y="0"/>
+          <a:chExt cx="0" cy="0"/>
+        </a:xfrm>
+      </p:grpSpPr>
       <p:sp>
         <p:nvSpPr>
           <p:cNvPr id="2" name="Title 1"/>
@@ -8998,7 +9649,7 @@
 </file>
 
 <file path=ppt/slides/slide7.xml><?xml version="1.0" encoding="utf-8"?>
-<p:sld xmlns:a="http://schemas.openxmlformats.org/drawingml/2006/main" xmlns:p="http://schemas.openxmlformats.org/presentationml/2006/main" xmlns:r="http://schemas.openxmlformats.org/officeDocument/2006/relationships">
+<p:sld xmlns:a="http://schemas.openxmlformats.org/drawingml/2006/main" xmlns:r="http://schemas.openxmlformats.org/officeDocument/2006/relationships" xmlns:p="http://schemas.openxmlformats.org/presentationml/2006/main">
   <p:cSld>
     <p:spTree>
       <p:nvGrpSpPr>
@@ -9006,7 +9657,14 @@
         <p:cNvGrpSpPr/>
         <p:nvPr/>
       </p:nvGrpSpPr>
-      <p:grpSpPr/>
+      <p:grpSpPr>
+        <a:xfrm>
+          <a:off x="0" y="0"/>
+          <a:ext cx="0" cy="0"/>
+          <a:chOff x="0" y="0"/>
+          <a:chExt cx="0" cy="0"/>
+        </a:xfrm>
+      </p:grpSpPr>
       <p:sp>
         <p:nvSpPr>
           <p:cNvPr id="2" name="Title 1"/>
@@ -9047,10 +9705,18 @@
               <a:t> A good sample pattern to extracting the paired acquire and release operations in Java SE 8:</a:t>
             </a:r>
           </a:p>
-          <a:p/>
-          <a:p/>
-          <a:p/>
-          <a:p/>
+          <a:p>
+            <a:endParaRPr/>
+          </a:p>
+          <a:p>
+            <a:endParaRPr/>
+          </a:p>
+          <a:p>
+            <a:endParaRPr/>
+          </a:p>
+          <a:p>
+            <a:endParaRPr/>
+          </a:p>
         </p:txBody>
       </p:sp>
       <p:sp>
@@ -9102,7 +9768,7 @@
         </p:blipFill>
         <p:spPr>
           <a:xfrm>
-            <a:off x="0" y="1792224"/>
+            <a:off x="0" y="2091531"/>
             <a:ext cx="7874000" cy="2921000"/>
           </a:xfrm>
           <a:prstGeom prst="rect">
@@ -9119,7 +9785,7 @@
 </file>
 
 <file path=ppt/slides/slide8.xml><?xml version="1.0" encoding="utf-8"?>
-<p:sld xmlns:a="http://schemas.openxmlformats.org/drawingml/2006/main" xmlns:p="http://schemas.openxmlformats.org/presentationml/2006/main" xmlns:r="http://schemas.openxmlformats.org/officeDocument/2006/relationships">
+<p:sld xmlns:a="http://schemas.openxmlformats.org/drawingml/2006/main" xmlns:r="http://schemas.openxmlformats.org/officeDocument/2006/relationships" xmlns:p="http://schemas.openxmlformats.org/presentationml/2006/main">
   <p:cSld>
     <p:spTree>
       <p:nvGrpSpPr>
@@ -9127,7 +9793,14 @@
         <p:cNvGrpSpPr/>
         <p:nvPr/>
       </p:nvGrpSpPr>
-      <p:grpSpPr/>
+      <p:grpSpPr>
+        <a:xfrm>
+          <a:off x="0" y="0"/>
+          <a:ext cx="0" cy="0"/>
+          <a:chOff x="0" y="0"/>
+          <a:chExt cx="0" cy="0"/>
+        </a:xfrm>
+      </p:grpSpPr>
       <p:sp>
         <p:nvSpPr>
           <p:cNvPr id="2" name="Title 1"/>
@@ -9168,8 +9841,12 @@
               <a:t> The following piece of code avoids overflow:</a:t>
             </a:r>
           </a:p>
-          <a:p/>
-          <a:p/>
+          <a:p>
+            <a:endParaRPr/>
+          </a:p>
+          <a:p>
+            <a:endParaRPr/>
+          </a:p>
         </p:txBody>
       </p:sp>
       <p:sp>
@@ -9221,8 +9898,8 @@
         </p:blipFill>
         <p:spPr>
           <a:xfrm>
-            <a:off x="0" y="1353312"/>
-            <a:ext cx="9093200" cy="1587500"/>
+            <a:off x="0" y="1862931"/>
+            <a:ext cx="9118600" cy="1587500"/>
           </a:xfrm>
           <a:prstGeom prst="rect">
             <a:avLst/>
@@ -9238,7 +9915,7 @@
 </file>
 
 <file path=ppt/slides/slide9.xml><?xml version="1.0" encoding="utf-8"?>
-<p:sld xmlns:a="http://schemas.openxmlformats.org/drawingml/2006/main" xmlns:p="http://schemas.openxmlformats.org/presentationml/2006/main" xmlns:r="http://schemas.openxmlformats.org/officeDocument/2006/relationships">
+<p:sld xmlns:a="http://schemas.openxmlformats.org/drawingml/2006/main" xmlns:r="http://schemas.openxmlformats.org/officeDocument/2006/relationships" xmlns:p="http://schemas.openxmlformats.org/presentationml/2006/main">
   <p:cSld>
     <p:spTree>
       <p:nvGrpSpPr>
@@ -9246,7 +9923,14 @@
         <p:cNvGrpSpPr/>
         <p:nvPr/>
       </p:nvGrpSpPr>
-      <p:grpSpPr/>
+      <p:grpSpPr>
+        <a:xfrm>
+          <a:off x="0" y="0"/>
+          <a:ext cx="0" cy="0"/>
+          <a:chOff x="0" y="0"/>
+          <a:chExt cx="0" cy="0"/>
+        </a:xfrm>
+      </p:grpSpPr>
       <p:sp>
         <p:nvSpPr>
           <p:cNvPr id="2" name="Subtitle 1"/>
@@ -9254,7 +9938,7 @@
             <a:spLocks noGrp="1"/>
           </p:cNvSpPr>
           <p:nvPr>
-            <p:ph type="subTitle" idx="1" sz="quarter"/>
+            <p:ph type="subTitle" sz="quarter" idx="1"/>
           </p:nvPr>
         </p:nvSpPr>
         <p:spPr/>
@@ -9276,24 +9960,12 @@
             </a:r>
             <a:r>
               <a:t>Mutability
+Variable Scope
+Thread Safety
+Exception Handling
+Role-Based Authentication
 </a:t>
             </a:r>
-            <a:r>
-              <a:t>Variable Scope
-</a:t>
-            </a:r>
-            <a:r>
-              <a:t>Thread Safety
-</a:t>
-            </a:r>
-            <a:r>
-              <a:t>Exception Handling
-</a:t>
-            </a:r>
-            <a:r>
-              <a:t>Role-Based Authentication
-</a:t>
-            </a:r>
           </a:p>
         </p:txBody>
       </p:sp>
@@ -9309,13 +9981,15 @@
         </p:nvSpPr>
         <p:spPr/>
         <p:txBody>
-          <a:bodyPr/>
-          <a:lstStyle/>
-          <a:p>
-            <a:pPr>
-              <a:defRPr sz="2700"/>
-            </a:pPr>
-            <a:r>
+          <a:bodyPr wrap="square">
+            <a:noAutofit/>
+          </a:bodyPr>
+          <a:lstStyle/>
+          <a:p>
+            <a:r>
+              <a:rPr sz="4200" b="1" i="0">
+                <a:latin typeface="Times New Roman"/>
+              </a:rPr>
               <a:t>Input Validation</a:t>
             </a:r>
           </a:p>
